--- a/talks/imaging_applied_optics_2016/images/modelAndSetup_figure.pptx
+++ b/talks/imaging_applied_optics_2016/images/modelAndSetup_figure.pptx
@@ -306,7 +306,7 @@
           <a:p>
             <a:fld id="{9D9501FF-ABFD-4A20-9D6D-E502A59752B5}" type="datetimeFigureOut">
               <a:rPr lang="en-US" smtClean="0"/>
-              <a:t>3/4/2016</a:t>
+              <a:t>3/21/2016</a:t>
             </a:fld>
             <a:endParaRPr lang="en-US"/>
           </a:p>
@@ -474,7 +474,7 @@
           <a:p>
             <a:fld id="{9D9501FF-ABFD-4A20-9D6D-E502A59752B5}" type="datetimeFigureOut">
               <a:rPr lang="en-US" smtClean="0"/>
-              <a:t>3/4/2016</a:t>
+              <a:t>3/21/2016</a:t>
             </a:fld>
             <a:endParaRPr lang="en-US"/>
           </a:p>
@@ -652,7 +652,7 @@
           <a:p>
             <a:fld id="{9D9501FF-ABFD-4A20-9D6D-E502A59752B5}" type="datetimeFigureOut">
               <a:rPr lang="en-US" smtClean="0"/>
-              <a:t>3/4/2016</a:t>
+              <a:t>3/21/2016</a:t>
             </a:fld>
             <a:endParaRPr lang="en-US"/>
           </a:p>
@@ -820,7 +820,7 @@
           <a:p>
             <a:fld id="{9D9501FF-ABFD-4A20-9D6D-E502A59752B5}" type="datetimeFigureOut">
               <a:rPr lang="en-US" smtClean="0"/>
-              <a:t>3/4/2016</a:t>
+              <a:t>3/21/2016</a:t>
             </a:fld>
             <a:endParaRPr lang="en-US"/>
           </a:p>
@@ -1065,7 +1065,7 @@
           <a:p>
             <a:fld id="{9D9501FF-ABFD-4A20-9D6D-E502A59752B5}" type="datetimeFigureOut">
               <a:rPr lang="en-US" smtClean="0"/>
-              <a:t>3/4/2016</a:t>
+              <a:t>3/21/2016</a:t>
             </a:fld>
             <a:endParaRPr lang="en-US"/>
           </a:p>
@@ -1294,7 +1294,7 @@
           <a:p>
             <a:fld id="{9D9501FF-ABFD-4A20-9D6D-E502A59752B5}" type="datetimeFigureOut">
               <a:rPr lang="en-US" smtClean="0"/>
-              <a:t>3/4/2016</a:t>
+              <a:t>3/21/2016</a:t>
             </a:fld>
             <a:endParaRPr lang="en-US"/>
           </a:p>
@@ -1658,7 +1658,7 @@
           <a:p>
             <a:fld id="{9D9501FF-ABFD-4A20-9D6D-E502A59752B5}" type="datetimeFigureOut">
               <a:rPr lang="en-US" smtClean="0"/>
-              <a:t>3/4/2016</a:t>
+              <a:t>3/21/2016</a:t>
             </a:fld>
             <a:endParaRPr lang="en-US"/>
           </a:p>
@@ -1775,7 +1775,7 @@
           <a:p>
             <a:fld id="{9D9501FF-ABFD-4A20-9D6D-E502A59752B5}" type="datetimeFigureOut">
               <a:rPr lang="en-US" smtClean="0"/>
-              <a:t>3/4/2016</a:t>
+              <a:t>3/21/2016</a:t>
             </a:fld>
             <a:endParaRPr lang="en-US"/>
           </a:p>
@@ -1870,7 +1870,7 @@
           <a:p>
             <a:fld id="{9D9501FF-ABFD-4A20-9D6D-E502A59752B5}" type="datetimeFigureOut">
               <a:rPr lang="en-US" smtClean="0"/>
-              <a:t>3/4/2016</a:t>
+              <a:t>3/21/2016</a:t>
             </a:fld>
             <a:endParaRPr lang="en-US"/>
           </a:p>
@@ -2145,7 +2145,7 @@
           <a:p>
             <a:fld id="{9D9501FF-ABFD-4A20-9D6D-E502A59752B5}" type="datetimeFigureOut">
               <a:rPr lang="en-US" smtClean="0"/>
-              <a:t>3/4/2016</a:t>
+              <a:t>3/21/2016</a:t>
             </a:fld>
             <a:endParaRPr lang="en-US"/>
           </a:p>
@@ -2400,7 +2400,7 @@
           <a:p>
             <a:fld id="{9D9501FF-ABFD-4A20-9D6D-E502A59752B5}" type="datetimeFigureOut">
               <a:rPr lang="en-US" smtClean="0"/>
-              <a:t>3/4/2016</a:t>
+              <a:t>3/21/2016</a:t>
             </a:fld>
             <a:endParaRPr lang="en-US"/>
           </a:p>
@@ -2611,7 +2611,7 @@
           <a:p>
             <a:fld id="{9D9501FF-ABFD-4A20-9D6D-E502A59752B5}" type="datetimeFigureOut">
               <a:rPr lang="en-US" smtClean="0"/>
-              <a:t>3/4/2016</a:t>
+              <a:t>3/21/2016</a:t>
             </a:fld>
             <a:endParaRPr lang="en-US"/>
           </a:p>
@@ -6591,9 +6591,333 @@
           </p:style>
         </p:cxnSp>
       </p:grpSp>
+      <p:sp>
+        <p:nvSpPr>
+          <p:cNvPr id="74" name="Freeform 73" hidden="1"/>
+          <p:cNvSpPr/>
+          <p:nvPr/>
+        </p:nvSpPr>
+        <p:spPr>
+          <a:xfrm>
+            <a:off x="1102517" y="1657349"/>
+            <a:ext cx="823913" cy="1314450"/>
+          </a:xfrm>
+          <a:custGeom>
+            <a:avLst/>
+            <a:gdLst>
+              <a:gd name="connsiteX0" fmla="*/ 640557 w 823913"/>
+              <a:gd name="connsiteY0" fmla="*/ 0 h 1314450"/>
+              <a:gd name="connsiteX1" fmla="*/ 697707 w 823913"/>
+              <a:gd name="connsiteY1" fmla="*/ 95250 h 1314450"/>
+              <a:gd name="connsiteX2" fmla="*/ 764382 w 823913"/>
+              <a:gd name="connsiteY2" fmla="*/ 214312 h 1314450"/>
+              <a:gd name="connsiteX3" fmla="*/ 804863 w 823913"/>
+              <a:gd name="connsiteY3" fmla="*/ 314325 h 1314450"/>
+              <a:gd name="connsiteX4" fmla="*/ 816769 w 823913"/>
+              <a:gd name="connsiteY4" fmla="*/ 364331 h 1314450"/>
+              <a:gd name="connsiteX5" fmla="*/ 823913 w 823913"/>
+              <a:gd name="connsiteY5" fmla="*/ 423862 h 1314450"/>
+              <a:gd name="connsiteX6" fmla="*/ 807244 w 823913"/>
+              <a:gd name="connsiteY6" fmla="*/ 495300 h 1314450"/>
+              <a:gd name="connsiteX7" fmla="*/ 773907 w 823913"/>
+              <a:gd name="connsiteY7" fmla="*/ 542925 h 1314450"/>
+              <a:gd name="connsiteX8" fmla="*/ 726282 w 823913"/>
+              <a:gd name="connsiteY8" fmla="*/ 578643 h 1314450"/>
+              <a:gd name="connsiteX9" fmla="*/ 652463 w 823913"/>
+              <a:gd name="connsiteY9" fmla="*/ 611981 h 1314450"/>
+              <a:gd name="connsiteX10" fmla="*/ 576263 w 823913"/>
+              <a:gd name="connsiteY10" fmla="*/ 640556 h 1314450"/>
+              <a:gd name="connsiteX11" fmla="*/ 488157 w 823913"/>
+              <a:gd name="connsiteY11" fmla="*/ 666750 h 1314450"/>
+              <a:gd name="connsiteX12" fmla="*/ 445294 w 823913"/>
+              <a:gd name="connsiteY12" fmla="*/ 681037 h 1314450"/>
+              <a:gd name="connsiteX13" fmla="*/ 373857 w 823913"/>
+              <a:gd name="connsiteY13" fmla="*/ 709612 h 1314450"/>
+              <a:gd name="connsiteX14" fmla="*/ 335757 w 823913"/>
+              <a:gd name="connsiteY14" fmla="*/ 728662 h 1314450"/>
+              <a:gd name="connsiteX15" fmla="*/ 292894 w 823913"/>
+              <a:gd name="connsiteY15" fmla="*/ 752475 h 1314450"/>
+              <a:gd name="connsiteX16" fmla="*/ 266700 w 823913"/>
+              <a:gd name="connsiteY16" fmla="*/ 776287 h 1314450"/>
+              <a:gd name="connsiteX17" fmla="*/ 247650 w 823913"/>
+              <a:gd name="connsiteY17" fmla="*/ 795337 h 1314450"/>
+              <a:gd name="connsiteX18" fmla="*/ 214313 w 823913"/>
+              <a:gd name="connsiteY18" fmla="*/ 866775 h 1314450"/>
+              <a:gd name="connsiteX19" fmla="*/ 188119 w 823913"/>
+              <a:gd name="connsiteY19" fmla="*/ 921543 h 1314450"/>
+              <a:gd name="connsiteX20" fmla="*/ 178594 w 823913"/>
+              <a:gd name="connsiteY20" fmla="*/ 976312 h 1314450"/>
+              <a:gd name="connsiteX21" fmla="*/ 171450 w 823913"/>
+              <a:gd name="connsiteY21" fmla="*/ 1059656 h 1314450"/>
+              <a:gd name="connsiteX22" fmla="*/ 176213 w 823913"/>
+              <a:gd name="connsiteY22" fmla="*/ 1119187 h 1314450"/>
+              <a:gd name="connsiteX23" fmla="*/ 178594 w 823913"/>
+              <a:gd name="connsiteY23" fmla="*/ 1173956 h 1314450"/>
+              <a:gd name="connsiteX24" fmla="*/ 188119 w 823913"/>
+              <a:gd name="connsiteY24" fmla="*/ 1240631 h 1314450"/>
+              <a:gd name="connsiteX25" fmla="*/ 195263 w 823913"/>
+              <a:gd name="connsiteY25" fmla="*/ 1295400 h 1314450"/>
+              <a:gd name="connsiteX26" fmla="*/ 197644 w 823913"/>
+              <a:gd name="connsiteY26" fmla="*/ 1314450 h 1314450"/>
+              <a:gd name="connsiteX27" fmla="*/ 0 w 823913"/>
+              <a:gd name="connsiteY27" fmla="*/ 1312068 h 1314450"/>
+              <a:gd name="connsiteX28" fmla="*/ 185738 w 823913"/>
+              <a:gd name="connsiteY28" fmla="*/ 921543 h 1314450"/>
+              <a:gd name="connsiteX29" fmla="*/ 640557 w 823913"/>
+              <a:gd name="connsiteY29" fmla="*/ 0 h 1314450"/>
+            </a:gdLst>
+            <a:ahLst/>
+            <a:cxnLst>
+              <a:cxn ang="0">
+                <a:pos x="connsiteX0" y="connsiteY0"/>
+              </a:cxn>
+              <a:cxn ang="0">
+                <a:pos x="connsiteX1" y="connsiteY1"/>
+              </a:cxn>
+              <a:cxn ang="0">
+                <a:pos x="connsiteX2" y="connsiteY2"/>
+              </a:cxn>
+              <a:cxn ang="0">
+                <a:pos x="connsiteX3" y="connsiteY3"/>
+              </a:cxn>
+              <a:cxn ang="0">
+                <a:pos x="connsiteX4" y="connsiteY4"/>
+              </a:cxn>
+              <a:cxn ang="0">
+                <a:pos x="connsiteX5" y="connsiteY5"/>
+              </a:cxn>
+              <a:cxn ang="0">
+                <a:pos x="connsiteX6" y="connsiteY6"/>
+              </a:cxn>
+              <a:cxn ang="0">
+                <a:pos x="connsiteX7" y="connsiteY7"/>
+              </a:cxn>
+              <a:cxn ang="0">
+                <a:pos x="connsiteX8" y="connsiteY8"/>
+              </a:cxn>
+              <a:cxn ang="0">
+                <a:pos x="connsiteX9" y="connsiteY9"/>
+              </a:cxn>
+              <a:cxn ang="0">
+                <a:pos x="connsiteX10" y="connsiteY10"/>
+              </a:cxn>
+              <a:cxn ang="0">
+                <a:pos x="connsiteX11" y="connsiteY11"/>
+              </a:cxn>
+              <a:cxn ang="0">
+                <a:pos x="connsiteX12" y="connsiteY12"/>
+              </a:cxn>
+              <a:cxn ang="0">
+                <a:pos x="connsiteX13" y="connsiteY13"/>
+              </a:cxn>
+              <a:cxn ang="0">
+                <a:pos x="connsiteX14" y="connsiteY14"/>
+              </a:cxn>
+              <a:cxn ang="0">
+                <a:pos x="connsiteX15" y="connsiteY15"/>
+              </a:cxn>
+              <a:cxn ang="0">
+                <a:pos x="connsiteX16" y="connsiteY16"/>
+              </a:cxn>
+              <a:cxn ang="0">
+                <a:pos x="connsiteX17" y="connsiteY17"/>
+              </a:cxn>
+              <a:cxn ang="0">
+                <a:pos x="connsiteX18" y="connsiteY18"/>
+              </a:cxn>
+              <a:cxn ang="0">
+                <a:pos x="connsiteX19" y="connsiteY19"/>
+              </a:cxn>
+              <a:cxn ang="0">
+                <a:pos x="connsiteX20" y="connsiteY20"/>
+              </a:cxn>
+              <a:cxn ang="0">
+                <a:pos x="connsiteX21" y="connsiteY21"/>
+              </a:cxn>
+              <a:cxn ang="0">
+                <a:pos x="connsiteX22" y="connsiteY22"/>
+              </a:cxn>
+              <a:cxn ang="0">
+                <a:pos x="connsiteX23" y="connsiteY23"/>
+              </a:cxn>
+              <a:cxn ang="0">
+                <a:pos x="connsiteX24" y="connsiteY24"/>
+              </a:cxn>
+              <a:cxn ang="0">
+                <a:pos x="connsiteX25" y="connsiteY25"/>
+              </a:cxn>
+              <a:cxn ang="0">
+                <a:pos x="connsiteX26" y="connsiteY26"/>
+              </a:cxn>
+              <a:cxn ang="0">
+                <a:pos x="connsiteX27" y="connsiteY27"/>
+              </a:cxn>
+              <a:cxn ang="0">
+                <a:pos x="connsiteX28" y="connsiteY28"/>
+              </a:cxn>
+              <a:cxn ang="0">
+                <a:pos x="connsiteX29" y="connsiteY29"/>
+              </a:cxn>
+            </a:cxnLst>
+            <a:rect l="l" t="t" r="r" b="b"/>
+            <a:pathLst>
+              <a:path w="823913" h="1314450">
+                <a:moveTo>
+                  <a:pt x="640557" y="0"/>
+                </a:moveTo>
+                <a:lnTo>
+                  <a:pt x="697707" y="95250"/>
+                </a:lnTo>
+                <a:lnTo>
+                  <a:pt x="764382" y="214312"/>
+                </a:lnTo>
+                <a:lnTo>
+                  <a:pt x="804863" y="314325"/>
+                </a:lnTo>
+                <a:lnTo>
+                  <a:pt x="816769" y="364331"/>
+                </a:lnTo>
+                <a:lnTo>
+                  <a:pt x="823913" y="423862"/>
+                </a:lnTo>
+                <a:lnTo>
+                  <a:pt x="807244" y="495300"/>
+                </a:lnTo>
+                <a:lnTo>
+                  <a:pt x="773907" y="542925"/>
+                </a:lnTo>
+                <a:lnTo>
+                  <a:pt x="726282" y="578643"/>
+                </a:lnTo>
+                <a:lnTo>
+                  <a:pt x="652463" y="611981"/>
+                </a:lnTo>
+                <a:lnTo>
+                  <a:pt x="576263" y="640556"/>
+                </a:lnTo>
+                <a:lnTo>
+                  <a:pt x="488157" y="666750"/>
+                </a:lnTo>
+                <a:lnTo>
+                  <a:pt x="445294" y="681037"/>
+                </a:lnTo>
+                <a:lnTo>
+                  <a:pt x="373857" y="709612"/>
+                </a:lnTo>
+                <a:lnTo>
+                  <a:pt x="335757" y="728662"/>
+                </a:lnTo>
+                <a:lnTo>
+                  <a:pt x="292894" y="752475"/>
+                </a:lnTo>
+                <a:lnTo>
+                  <a:pt x="266700" y="776287"/>
+                </a:lnTo>
+                <a:lnTo>
+                  <a:pt x="247650" y="795337"/>
+                </a:lnTo>
+                <a:lnTo>
+                  <a:pt x="214313" y="866775"/>
+                </a:lnTo>
+                <a:lnTo>
+                  <a:pt x="188119" y="921543"/>
+                </a:lnTo>
+                <a:lnTo>
+                  <a:pt x="178594" y="976312"/>
+                </a:lnTo>
+                <a:lnTo>
+                  <a:pt x="171450" y="1059656"/>
+                </a:lnTo>
+                <a:lnTo>
+                  <a:pt x="176213" y="1119187"/>
+                </a:lnTo>
+                <a:cubicBezTo>
+                  <a:pt x="177007" y="1137443"/>
+                  <a:pt x="177800" y="1155700"/>
+                  <a:pt x="178594" y="1173956"/>
+                </a:cubicBezTo>
+                <a:lnTo>
+                  <a:pt x="188119" y="1240631"/>
+                </a:lnTo>
+                <a:lnTo>
+                  <a:pt x="195263" y="1295400"/>
+                </a:lnTo>
+                <a:lnTo>
+                  <a:pt x="197644" y="1314450"/>
+                </a:lnTo>
+                <a:lnTo>
+                  <a:pt x="0" y="1312068"/>
+                </a:lnTo>
+                <a:lnTo>
+                  <a:pt x="185738" y="921543"/>
+                </a:lnTo>
+                <a:lnTo>
+                  <a:pt x="640557" y="0"/>
+                </a:lnTo>
+                <a:close/>
+              </a:path>
+            </a:pathLst>
+          </a:custGeom>
+          <a:gradFill>
+            <a:gsLst>
+              <a:gs pos="0">
+                <a:schemeClr val="accent1">
+                  <a:lumMod val="5000"/>
+                  <a:lumOff val="95000"/>
+                  <a:alpha val="43000"/>
+                </a:schemeClr>
+              </a:gs>
+              <a:gs pos="67000">
+                <a:schemeClr val="bg2">
+                  <a:lumMod val="50000"/>
+                  <a:alpha val="71000"/>
+                </a:schemeClr>
+              </a:gs>
+              <a:gs pos="100000">
+                <a:schemeClr val="tx1">
+                  <a:lumMod val="65000"/>
+                  <a:lumOff val="35000"/>
+                  <a:alpha val="78000"/>
+                </a:schemeClr>
+              </a:gs>
+            </a:gsLst>
+            <a:lin ang="1800000" scaled="0"/>
+          </a:gradFill>
+          <a:ln>
+            <a:noFill/>
+          </a:ln>
+          <a:effectLst>
+            <a:softEdge rad="76200"/>
+          </a:effectLst>
+        </p:spPr>
+        <p:style>
+          <a:lnRef idx="2">
+            <a:schemeClr val="accent1">
+              <a:shade val="50000"/>
+            </a:schemeClr>
+          </a:lnRef>
+          <a:fillRef idx="1">
+            <a:schemeClr val="accent1"/>
+          </a:fillRef>
+          <a:effectRef idx="0">
+            <a:schemeClr val="accent1"/>
+          </a:effectRef>
+          <a:fontRef idx="minor">
+            <a:schemeClr val="lt1"/>
+          </a:fontRef>
+        </p:style>
+        <p:txBody>
+          <a:bodyPr rtlCol="0" anchor="ctr"/>
+          <a:lstStyle/>
+          <a:p>
+            <a:pPr algn="ctr"/>
+            <a:endParaRPr lang="en-US"/>
+          </a:p>
+        </p:txBody>
+      </p:sp>
       <p:grpSp>
         <p:nvGrpSpPr>
-          <p:cNvPr id="148" name="Group 147"/>
+          <p:cNvPr id="76" name="Group 75"/>
           <p:cNvGrpSpPr/>
           <p:nvPr/>
         </p:nvGrpSpPr>
@@ -7635,8 +7959,8 @@
             </a:fontRef>
           </p:style>
         </p:cxnSp>
-        <mc:AlternateContent xmlns:mc="http://schemas.openxmlformats.org/markup-compatibility/2006" xmlns:a14="http://schemas.microsoft.com/office/drawing/2010/main">
-          <mc:Choice Requires="a14">
+        <mc:AlternateContent xmlns:mc="http://schemas.openxmlformats.org/markup-compatibility/2006">
+          <mc:Choice xmlns:a14="http://schemas.microsoft.com/office/drawing/2010/main" Requires="a14">
             <p:sp>
               <p:nvSpPr>
                 <p:cNvPr id="24" name="z prime"/>
@@ -7692,7 +8016,7 @@
               </p:txBody>
             </p:sp>
           </mc:Choice>
-          <mc:Fallback xmlns="">
+          <mc:Fallback>
             <p:sp>
               <p:nvSpPr>
                 <p:cNvPr id="24" name="z prime"/>
@@ -7731,8 +8055,8 @@
             </p:sp>
           </mc:Fallback>
         </mc:AlternateContent>
-        <mc:AlternateContent xmlns:mc="http://schemas.openxmlformats.org/markup-compatibility/2006" xmlns:a14="http://schemas.microsoft.com/office/drawing/2010/main">
-          <mc:Choice Requires="a14">
+        <mc:AlternateContent xmlns:mc="http://schemas.openxmlformats.org/markup-compatibility/2006">
+          <mc:Choice xmlns:a14="http://schemas.microsoft.com/office/drawing/2010/main" Requires="a14">
             <p:sp>
               <p:nvSpPr>
                 <p:cNvPr id="25" name="TextBox NormalToImagePlane"/>
@@ -7823,7 +8147,7 @@
               </p:txBody>
             </p:sp>
           </mc:Choice>
-          <mc:Fallback xmlns="">
+          <mc:Fallback>
             <p:sp>
               <p:nvSpPr>
                 <p:cNvPr id="25" name="TextBox NormalToImagePlane"/>
@@ -8071,8 +8395,8 @@
             </a:fontRef>
           </p:style>
         </p:cxnSp>
-        <mc:AlternateContent xmlns:mc="http://schemas.openxmlformats.org/markup-compatibility/2006" xmlns:a14="http://schemas.microsoft.com/office/drawing/2010/main">
-          <mc:Choice Requires="a14">
+        <mc:AlternateContent xmlns:mc="http://schemas.openxmlformats.org/markup-compatibility/2006">
+          <mc:Choice xmlns:a14="http://schemas.microsoft.com/office/drawing/2010/main" Requires="a14">
             <p:sp>
               <p:nvSpPr>
                 <p:cNvPr id="31" name="Text Box 15"/>
@@ -8156,7 +8480,7 @@
               </p:txBody>
             </p:sp>
           </mc:Choice>
-          <mc:Fallback xmlns="">
+          <mc:Fallback>
             <p:sp>
               <p:nvSpPr>
                 <p:cNvPr id="31" name="Text Box 15"/>
@@ -8199,8 +8523,8 @@
             </p:sp>
           </mc:Fallback>
         </mc:AlternateContent>
-        <mc:AlternateContent xmlns:mc="http://schemas.openxmlformats.org/markup-compatibility/2006" xmlns:a14="http://schemas.microsoft.com/office/drawing/2010/main">
-          <mc:Choice Requires="a14">
+        <mc:AlternateContent xmlns:mc="http://schemas.openxmlformats.org/markup-compatibility/2006">
+          <mc:Choice xmlns:a14="http://schemas.microsoft.com/office/drawing/2010/main" Requires="a14">
             <p:sp>
               <p:nvSpPr>
                 <p:cNvPr id="32" name="Text Box 15"/>
@@ -8299,7 +8623,7 @@
               </p:txBody>
             </p:sp>
           </mc:Choice>
-          <mc:Fallback xmlns="">
+          <mc:Fallback>
             <p:sp>
               <p:nvSpPr>
                 <p:cNvPr id="32" name="Text Box 15"/>
@@ -8441,8 +8765,8 @@
             </a:p>
           </p:txBody>
         </p:sp>
-        <mc:AlternateContent xmlns:mc="http://schemas.openxmlformats.org/markup-compatibility/2006" xmlns:a14="http://schemas.microsoft.com/office/drawing/2010/main">
-          <mc:Choice Requires="a14">
+        <mc:AlternateContent xmlns:mc="http://schemas.openxmlformats.org/markup-compatibility/2006">
+          <mc:Choice xmlns:a14="http://schemas.microsoft.com/office/drawing/2010/main" Requires="a14">
             <p:sp>
               <p:nvSpPr>
                 <p:cNvPr id="41" name="TextBox 40"/>
@@ -8601,7 +8925,7 @@
               </p:txBody>
             </p:sp>
           </mc:Choice>
-          <mc:Fallback xmlns="">
+          <mc:Fallback>
             <p:sp>
               <p:nvSpPr>
                 <p:cNvPr id="41" name="TextBox 40"/>
@@ -9001,8 +9325,8 @@
             </a:p>
           </p:txBody>
         </p:sp>
-        <mc:AlternateContent xmlns:mc="http://schemas.openxmlformats.org/markup-compatibility/2006" xmlns:a14="http://schemas.microsoft.com/office/drawing/2010/main">
-          <mc:Choice Requires="a14">
+        <mc:AlternateContent xmlns:mc="http://schemas.openxmlformats.org/markup-compatibility/2006">
+          <mc:Choice xmlns:a14="http://schemas.microsoft.com/office/drawing/2010/main" Requires="a14">
             <p:sp>
               <p:nvSpPr>
                 <p:cNvPr id="50" name="TextBox 49"/>
@@ -9218,7 +9542,7 @@
               </p:txBody>
             </p:sp>
           </mc:Choice>
-          <mc:Fallback xmlns="">
+          <mc:Fallback>
             <p:sp>
               <p:nvSpPr>
                 <p:cNvPr id="50" name="TextBox 49"/>
@@ -9358,8 +9682,8 @@
             </p:style>
           </p:cxnSp>
         </p:grpSp>
-        <mc:AlternateContent xmlns:mc="http://schemas.openxmlformats.org/markup-compatibility/2006" xmlns:a14="http://schemas.microsoft.com/office/drawing/2010/main">
-          <mc:Choice Requires="a14">
+        <mc:AlternateContent xmlns:mc="http://schemas.openxmlformats.org/markup-compatibility/2006">
+          <mc:Choice xmlns:a14="http://schemas.microsoft.com/office/drawing/2010/main" Requires="a14">
             <p:sp>
               <p:nvSpPr>
                 <p:cNvPr id="52" name="TextBox 51"/>
@@ -9425,7 +9749,7 @@
               </p:txBody>
             </p:sp>
           </mc:Choice>
-          <mc:Fallback xmlns="">
+          <mc:Fallback>
             <p:sp>
               <p:nvSpPr>
                 <p:cNvPr id="52" name="TextBox 51"/>
@@ -9464,8 +9788,8 @@
             </p:sp>
           </mc:Fallback>
         </mc:AlternateContent>
-        <mc:AlternateContent xmlns:mc="http://schemas.openxmlformats.org/markup-compatibility/2006" xmlns:a14="http://schemas.microsoft.com/office/drawing/2010/main">
-          <mc:Choice Requires="a14">
+        <mc:AlternateContent xmlns:mc="http://schemas.openxmlformats.org/markup-compatibility/2006">
+          <mc:Choice xmlns:a14="http://schemas.microsoft.com/office/drawing/2010/main" Requires="a14">
             <p:sp>
               <p:nvSpPr>
                 <p:cNvPr id="53" name="TextBox 52"/>
@@ -9551,7 +9875,7 @@
               </p:txBody>
             </p:sp>
           </mc:Choice>
-          <mc:Fallback xmlns="">
+          <mc:Fallback>
             <p:sp>
               <p:nvSpPr>
                 <p:cNvPr id="53" name="TextBox 52"/>
@@ -9590,8 +9914,8 @@
             </p:sp>
           </mc:Fallback>
         </mc:AlternateContent>
-        <mc:AlternateContent xmlns:mc="http://schemas.openxmlformats.org/markup-compatibility/2006" xmlns:a14="http://schemas.microsoft.com/office/drawing/2010/main">
-          <mc:Choice Requires="a14">
+        <mc:AlternateContent xmlns:mc="http://schemas.openxmlformats.org/markup-compatibility/2006">
+          <mc:Choice xmlns:a14="http://schemas.microsoft.com/office/drawing/2010/main" Requires="a14">
             <p:sp>
               <p:nvSpPr>
                 <p:cNvPr id="54" name="TextBox - z_o prime"/>
@@ -9674,7 +9998,7 @@
               </p:txBody>
             </p:sp>
           </mc:Choice>
-          <mc:Fallback xmlns="">
+          <mc:Fallback>
             <p:sp>
               <p:nvSpPr>
                 <p:cNvPr id="54" name="TextBox - z_o prime"/>
@@ -10843,8 +11167,8 @@
             </a:fontRef>
           </p:style>
         </p:cxnSp>
-        <mc:AlternateContent xmlns:mc="http://schemas.openxmlformats.org/markup-compatibility/2006" xmlns:a14="http://schemas.microsoft.com/office/drawing/2010/main">
-          <mc:Choice Requires="a14">
+        <mc:AlternateContent xmlns:mc="http://schemas.openxmlformats.org/markup-compatibility/2006">
+          <mc:Choice xmlns:a14="http://schemas.microsoft.com/office/drawing/2010/main" Requires="a14">
             <p:sp>
               <p:nvSpPr>
                 <p:cNvPr id="64" name="TextBox 63"/>
@@ -10891,7 +11215,7 @@
               </p:txBody>
             </p:sp>
           </mc:Choice>
-          <mc:Fallback xmlns="">
+          <mc:Fallback>
             <p:sp>
               <p:nvSpPr>
                 <p:cNvPr id="64" name="TextBox 63"/>
@@ -11724,8 +12048,8 @@
             </p:txBody>
           </p:sp>
         </p:grpSp>
-        <mc:AlternateContent xmlns:mc="http://schemas.openxmlformats.org/markup-compatibility/2006" xmlns:a14="http://schemas.microsoft.com/office/drawing/2010/main">
-          <mc:Choice Requires="a14">
+        <mc:AlternateContent xmlns:mc="http://schemas.openxmlformats.org/markup-compatibility/2006">
+          <mc:Choice xmlns:a14="http://schemas.microsoft.com/office/drawing/2010/main" Requires="a14">
             <p:sp>
               <p:nvSpPr>
                 <p:cNvPr id="78" name="ImagePlaneFrameCenter"/>
@@ -11792,7 +12116,7 @@
               </p:txBody>
             </p:sp>
           </mc:Choice>
-          <mc:Fallback xmlns="">
+          <mc:Fallback>
             <p:sp>
               <p:nvSpPr>
                 <p:cNvPr id="78" name="ImagePlaneFrameCenter"/>
@@ -11839,8 +12163,8 @@
           </p:nvSpPr>
           <p:spPr>
             <a:xfrm>
-              <a:off x="1514307" y="2294315"/>
-              <a:ext cx="445956" cy="230832"/>
+              <a:off x="1523833" y="2280026"/>
+              <a:ext cx="474810" cy="246221"/>
             </a:xfrm>
             <a:prstGeom prst="rect">
               <a:avLst/>
@@ -11854,7 +12178,7 @@
             <a:lstStyle/>
             <a:p>
               <a:r>
-                <a:rPr lang="en-US" sz="900" i="1" dirty="0">
+                <a:rPr lang="en-US" sz="1000" i="1" dirty="0">
                   <a:solidFill>
                     <a:schemeClr val="tx1">
                       <a:lumMod val="75000"/>
@@ -11863,6 +12187,175 @@
                   </a:solidFill>
                 </a:rPr>
                 <a:t>z-axis</a:t>
+              </a:r>
+            </a:p>
+          </p:txBody>
+        </p:sp>
+        <p:sp>
+          <p:nvSpPr>
+            <p:cNvPr id="4" name="Freeform 3"/>
+            <p:cNvSpPr/>
+            <p:nvPr/>
+          </p:nvSpPr>
+          <p:spPr>
+            <a:xfrm rot="1061515">
+              <a:off x="1374978" y="1649340"/>
+              <a:ext cx="464482" cy="1384418"/>
+            </a:xfrm>
+            <a:custGeom>
+              <a:avLst/>
+              <a:gdLst>
+                <a:gd name="connsiteX0" fmla="*/ 154719 w 464482"/>
+                <a:gd name="connsiteY0" fmla="*/ 0 h 1384418"/>
+                <a:gd name="connsiteX1" fmla="*/ 462367 w 464482"/>
+                <a:gd name="connsiteY1" fmla="*/ 435835 h 1384418"/>
+                <a:gd name="connsiteX2" fmla="*/ 17986 w 464482"/>
+                <a:gd name="connsiteY2" fmla="*/ 880217 h 1384418"/>
+                <a:gd name="connsiteX3" fmla="*/ 129081 w 464482"/>
+                <a:gd name="connsiteY3" fmla="*/ 1384418 h 1384418"/>
+              </a:gdLst>
+              <a:ahLst/>
+              <a:cxnLst>
+                <a:cxn ang="0">
+                  <a:pos x="connsiteX0" y="connsiteY0"/>
+                </a:cxn>
+                <a:cxn ang="0">
+                  <a:pos x="connsiteX1" y="connsiteY1"/>
+                </a:cxn>
+                <a:cxn ang="0">
+                  <a:pos x="connsiteX2" y="connsiteY2"/>
+                </a:cxn>
+                <a:cxn ang="0">
+                  <a:pos x="connsiteX3" y="connsiteY3"/>
+                </a:cxn>
+              </a:cxnLst>
+              <a:rect l="l" t="t" r="r" b="b"/>
+              <a:pathLst>
+                <a:path w="464482" h="1384418">
+                  <a:moveTo>
+                    <a:pt x="154719" y="0"/>
+                  </a:moveTo>
+                  <a:cubicBezTo>
+                    <a:pt x="319937" y="144566"/>
+                    <a:pt x="485156" y="289132"/>
+                    <a:pt x="462367" y="435835"/>
+                  </a:cubicBezTo>
+                  <a:cubicBezTo>
+                    <a:pt x="439578" y="582538"/>
+                    <a:pt x="73534" y="722120"/>
+                    <a:pt x="17986" y="880217"/>
+                  </a:cubicBezTo>
+                  <a:cubicBezTo>
+                    <a:pt x="-37562" y="1038314"/>
+                    <a:pt x="45759" y="1211366"/>
+                    <a:pt x="129081" y="1384418"/>
+                  </a:cubicBezTo>
+                </a:path>
+              </a:pathLst>
+            </a:custGeom>
+            <a:noFill/>
+            <a:ln w="9525">
+              <a:solidFill>
+                <a:schemeClr val="bg2">
+                  <a:lumMod val="50000"/>
+                  <a:alpha val="55000"/>
+                </a:schemeClr>
+              </a:solidFill>
+            </a:ln>
+          </p:spPr>
+          <p:style>
+            <a:lnRef idx="2">
+              <a:schemeClr val="accent1">
+                <a:shade val="50000"/>
+              </a:schemeClr>
+            </a:lnRef>
+            <a:fillRef idx="1">
+              <a:schemeClr val="accent1"/>
+            </a:fillRef>
+            <a:effectRef idx="0">
+              <a:schemeClr val="accent1"/>
+            </a:effectRef>
+            <a:fontRef idx="minor">
+              <a:schemeClr val="lt1"/>
+            </a:fontRef>
+          </p:style>
+          <p:txBody>
+            <a:bodyPr rtlCol="0" anchor="ctr"/>
+            <a:lstStyle/>
+            <a:p>
+              <a:pPr algn="ctr"/>
+              <a:endParaRPr lang="en-US"/>
+            </a:p>
+          </p:txBody>
+        </p:sp>
+        <p:sp>
+          <p:nvSpPr>
+            <p:cNvPr id="134" name="TextBox 133"/>
+            <p:cNvSpPr txBox="1"/>
+            <p:nvPr/>
+          </p:nvSpPr>
+          <p:spPr>
+            <a:xfrm rot="16080000">
+              <a:off x="3636793" y="2905502"/>
+              <a:ext cx="928459" cy="246221"/>
+            </a:xfrm>
+            <a:prstGeom prst="rect">
+              <a:avLst/>
+            </a:prstGeom>
+            <a:noFill/>
+          </p:spPr>
+          <p:txBody>
+            <a:bodyPr wrap="none" rtlCol="0">
+              <a:spAutoFit/>
+            </a:bodyPr>
+            <a:lstStyle/>
+            <a:p>
+              <a:r>
+                <a:rPr lang="en-US" sz="1000" i="1" dirty="0">
+                  <a:solidFill>
+                    <a:schemeClr val="tx1">
+                      <a:lumMod val="50000"/>
+                      <a:lumOff val="50000"/>
+                    </a:schemeClr>
+                  </a:solidFill>
+                </a:rPr>
+                <a:t>Entrance pupil</a:t>
+              </a:r>
+            </a:p>
+          </p:txBody>
+        </p:sp>
+        <p:sp>
+          <p:nvSpPr>
+            <p:cNvPr id="135" name="TextBox 134"/>
+            <p:cNvSpPr txBox="1"/>
+            <p:nvPr/>
+          </p:nvSpPr>
+          <p:spPr>
+            <a:xfrm rot="16080000">
+              <a:off x="5017924" y="1918078"/>
+              <a:ext cx="659155" cy="246221"/>
+            </a:xfrm>
+            <a:prstGeom prst="rect">
+              <a:avLst/>
+            </a:prstGeom>
+            <a:noFill/>
+          </p:spPr>
+          <p:txBody>
+            <a:bodyPr wrap="none" rtlCol="0">
+              <a:spAutoFit/>
+            </a:bodyPr>
+            <a:lstStyle/>
+            <a:p>
+              <a:r>
+                <a:rPr lang="en-US" sz="1000" i="1" dirty="0">
+                  <a:solidFill>
+                    <a:schemeClr val="tx1">
+                      <a:lumMod val="50000"/>
+                      <a:lumOff val="50000"/>
+                    </a:schemeClr>
+                  </a:solidFill>
+                </a:rPr>
+                <a:t>Exit pupil</a:t>
               </a:r>
             </a:p>
           </p:txBody>

--- a/talks/imaging_applied_optics_2016/images/modelAndSetup_figure.pptx
+++ b/talks/imaging_applied_optics_2016/images/modelAndSetup_figure.pptx
@@ -6917,7 +6917,7 @@
       </p:sp>
       <p:grpSp>
         <p:nvGrpSpPr>
-          <p:cNvPr id="76" name="Group 75"/>
+          <p:cNvPr id="39" name="Group 38"/>
           <p:cNvGrpSpPr/>
           <p:nvPr/>
         </p:nvGrpSpPr>
@@ -6975,6 +6975,262 @@
             </a:p>
           </p:txBody>
         </p:sp>
+        <mc:AlternateContent xmlns:mc="http://schemas.openxmlformats.org/markup-compatibility/2006">
+          <mc:Choice xmlns:a14="http://schemas.microsoft.com/office/drawing/2010/main" Requires="a14">
+            <p:sp>
+              <p:nvSpPr>
+                <p:cNvPr id="50" name="TextBox 49"/>
+                <p:cNvSpPr txBox="1"/>
+                <p:nvPr/>
+              </p:nvSpPr>
+              <p:spPr>
+                <a:xfrm rot="20960449">
+                  <a:off x="6784242" y="2896913"/>
+                  <a:ext cx="725470" cy="261610"/>
+                </a:xfrm>
+                <a:prstGeom prst="rect">
+                  <a:avLst/>
+                </a:prstGeom>
+                <a:noFill/>
+              </p:spPr>
+              <p:txBody>
+                <a:bodyPr wrap="square" rtlCol="0">
+                  <a:spAutoFit/>
+                </a:bodyPr>
+                <a:lstStyle/>
+                <a:p>
+                  <a:pPr/>
+                  <a14:m>
+                    <m:oMathPara xmlns:m="http://schemas.openxmlformats.org/officeDocument/2006/math">
+                      <m:oMathParaPr>
+                        <m:jc m:val="centerGroup"/>
+                      </m:oMathParaPr>
+                      <m:oMath xmlns:m="http://schemas.openxmlformats.org/officeDocument/2006/math">
+                        <m:acc>
+                          <m:accPr>
+                            <m:chr m:val="́"/>
+                            <m:ctrlPr>
+                              <a:rPr lang="en-US" sz="1100" b="0" i="1" smtClean="0">
+                                <a:solidFill>
+                                  <a:schemeClr val="tx1">
+                                    <a:lumMod val="95000"/>
+                                    <a:lumOff val="5000"/>
+                                  </a:schemeClr>
+                                </a:solidFill>
+                                <a:latin typeface="Cambria Math" panose="02040503050406030204" pitchFamily="18" charset="0"/>
+                              </a:rPr>
+                            </m:ctrlPr>
+                          </m:accPr>
+                          <m:e>
+                            <m:r>
+                              <m:rPr>
+                                <m:nor/>
+                              </m:rPr>
+                              <a:rPr lang="en-US" sz="1100" b="1" i="0" smtClean="0">
+                                <a:solidFill>
+                                  <a:schemeClr val="tx1">
+                                    <a:lumMod val="95000"/>
+                                    <a:lumOff val="5000"/>
+                                  </a:schemeClr>
+                                </a:solidFill>
+                                <a:latin typeface="Cambria Math" panose="02040503050406030204" pitchFamily="18" charset="0"/>
+                              </a:rPr>
+                              <m:t>x</m:t>
+                            </m:r>
+                          </m:e>
+                        </m:acc>
+                        <m:r>
+                          <a:rPr lang="en-US" sz="1100" b="0" i="1" smtClean="0">
+                            <a:solidFill>
+                              <a:schemeClr val="tx1">
+                                <a:lumMod val="95000"/>
+                                <a:lumOff val="5000"/>
+                              </a:schemeClr>
+                            </a:solidFill>
+                            <a:latin typeface="Cambria Math" panose="02040503050406030204" pitchFamily="18" charset="0"/>
+                          </a:rPr>
+                          <m:t>(</m:t>
+                        </m:r>
+                        <m:acc>
+                          <m:accPr>
+                            <m:chr m:val="́"/>
+                            <m:ctrlPr>
+                              <a:rPr lang="en-US" sz="1100" b="0" i="1" smtClean="0">
+                                <a:solidFill>
+                                  <a:schemeClr val="tx1">
+                                    <a:lumMod val="95000"/>
+                                    <a:lumOff val="5000"/>
+                                  </a:schemeClr>
+                                </a:solidFill>
+                                <a:latin typeface="Cambria Math" panose="02040503050406030204" pitchFamily="18" charset="0"/>
+                              </a:rPr>
+                            </m:ctrlPr>
+                          </m:accPr>
+                          <m:e>
+                            <m:r>
+                              <a:rPr lang="en-US" sz="1100" b="0" i="1" smtClean="0">
+                                <a:solidFill>
+                                  <a:schemeClr val="tx1">
+                                    <a:lumMod val="95000"/>
+                                    <a:lumOff val="5000"/>
+                                  </a:schemeClr>
+                                </a:solidFill>
+                                <a:latin typeface="Cambria Math" panose="02040503050406030204" pitchFamily="18" charset="0"/>
+                              </a:rPr>
+                              <m:t>𝑥</m:t>
+                            </m:r>
+                          </m:e>
+                        </m:acc>
+                        <m:r>
+                          <a:rPr lang="en-US" sz="1100" b="0" i="1" smtClean="0">
+                            <a:solidFill>
+                              <a:schemeClr val="tx1">
+                                <a:lumMod val="95000"/>
+                                <a:lumOff val="5000"/>
+                              </a:schemeClr>
+                            </a:solidFill>
+                            <a:latin typeface="Cambria Math" panose="02040503050406030204" pitchFamily="18" charset="0"/>
+                          </a:rPr>
+                          <m:t>, </m:t>
+                        </m:r>
+                        <m:acc>
+                          <m:accPr>
+                            <m:chr m:val="́"/>
+                            <m:ctrlPr>
+                              <a:rPr lang="en-US" sz="1100" b="0" i="1" smtClean="0">
+                                <a:solidFill>
+                                  <a:schemeClr val="tx1">
+                                    <a:lumMod val="95000"/>
+                                    <a:lumOff val="5000"/>
+                                  </a:schemeClr>
+                                </a:solidFill>
+                                <a:latin typeface="Cambria Math" panose="02040503050406030204" pitchFamily="18" charset="0"/>
+                              </a:rPr>
+                            </m:ctrlPr>
+                          </m:accPr>
+                          <m:e>
+                            <m:r>
+                              <a:rPr lang="en-US" sz="1100" b="0" i="1" smtClean="0">
+                                <a:solidFill>
+                                  <a:schemeClr val="tx1">
+                                    <a:lumMod val="95000"/>
+                                    <a:lumOff val="5000"/>
+                                  </a:schemeClr>
+                                </a:solidFill>
+                                <a:latin typeface="Cambria Math" panose="02040503050406030204" pitchFamily="18" charset="0"/>
+                              </a:rPr>
+                              <m:t>𝑦</m:t>
+                            </m:r>
+                          </m:e>
+                        </m:acc>
+                        <m:r>
+                          <a:rPr lang="en-US" sz="1100" b="0" i="1" smtClean="0">
+                            <a:solidFill>
+                              <a:schemeClr val="tx1">
+                                <a:lumMod val="95000"/>
+                                <a:lumOff val="5000"/>
+                              </a:schemeClr>
+                            </a:solidFill>
+                            <a:latin typeface="Cambria Math" panose="02040503050406030204" pitchFamily="18" charset="0"/>
+                          </a:rPr>
+                          <m:t>,</m:t>
+                        </m:r>
+                        <m:acc>
+                          <m:accPr>
+                            <m:chr m:val="́"/>
+                            <m:ctrlPr>
+                              <a:rPr lang="en-US" sz="1100" b="0" i="1" smtClean="0">
+                                <a:solidFill>
+                                  <a:schemeClr val="tx1">
+                                    <a:lumMod val="95000"/>
+                                    <a:lumOff val="5000"/>
+                                  </a:schemeClr>
+                                </a:solidFill>
+                                <a:latin typeface="Cambria Math" panose="02040503050406030204" pitchFamily="18" charset="0"/>
+                              </a:rPr>
+                            </m:ctrlPr>
+                          </m:accPr>
+                          <m:e>
+                            <m:r>
+                              <a:rPr lang="en-US" sz="1100" b="0" i="1" smtClean="0">
+                                <a:solidFill>
+                                  <a:schemeClr val="tx1">
+                                    <a:lumMod val="95000"/>
+                                    <a:lumOff val="5000"/>
+                                  </a:schemeClr>
+                                </a:solidFill>
+                                <a:latin typeface="Cambria Math" panose="02040503050406030204" pitchFamily="18" charset="0"/>
+                              </a:rPr>
+                              <m:t>𝑧</m:t>
+                            </m:r>
+                          </m:e>
+                        </m:acc>
+                        <m:r>
+                          <a:rPr lang="en-US" sz="1100" b="0" i="1" smtClean="0">
+                            <a:solidFill>
+                              <a:schemeClr val="tx1">
+                                <a:lumMod val="95000"/>
+                                <a:lumOff val="5000"/>
+                              </a:schemeClr>
+                            </a:solidFill>
+                            <a:latin typeface="Cambria Math" panose="02040503050406030204" pitchFamily="18" charset="0"/>
+                          </a:rPr>
+                          <m:t>)</m:t>
+                        </m:r>
+                      </m:oMath>
+                    </m:oMathPara>
+                  </a14:m>
+                  <a:endParaRPr lang="en-US" sz="1100" dirty="0">
+                    <a:solidFill>
+                      <a:schemeClr val="tx1">
+                        <a:lumMod val="95000"/>
+                        <a:lumOff val="5000"/>
+                      </a:schemeClr>
+                    </a:solidFill>
+                  </a:endParaRPr>
+                </a:p>
+              </p:txBody>
+            </p:sp>
+          </mc:Choice>
+          <mc:Fallback>
+            <p:sp>
+              <p:nvSpPr>
+                <p:cNvPr id="50" name="TextBox 49"/>
+                <p:cNvSpPr txBox="1">
+                  <a:spLocks noRot="1" noChangeAspect="1" noMove="1" noResize="1" noEditPoints="1" noAdjustHandles="1" noChangeArrowheads="1" noChangeShapeType="1" noTextEdit="1"/>
+                </p:cNvSpPr>
+                <p:nvPr/>
+              </p:nvSpPr>
+              <p:spPr>
+                <a:xfrm rot="20960449">
+                  <a:off x="6784242" y="2896913"/>
+                  <a:ext cx="725470" cy="261610"/>
+                </a:xfrm>
+                <a:prstGeom prst="rect">
+                  <a:avLst/>
+                </a:prstGeom>
+                <a:blipFill>
+                  <a:blip r:embed="rId5"/>
+                  <a:stretch>
+                    <a:fillRect/>
+                  </a:stretch>
+                </a:blipFill>
+              </p:spPr>
+              <p:txBody>
+                <a:bodyPr/>
+                <a:lstStyle/>
+                <a:p>
+                  <a:r>
+                    <a:rPr lang="en-US">
+                      <a:noFill/>
+                    </a:rPr>
+                    <a:t> </a:t>
+                  </a:r>
+                </a:p>
+              </p:txBody>
+            </p:sp>
+          </mc:Fallback>
+        </mc:AlternateContent>
         <p:grpSp>
           <p:nvGrpSpPr>
             <p:cNvPr id="9" name="Image Plane"/>
@@ -6983,10 +7239,10 @@
           </p:nvGrpSpPr>
           <p:grpSpPr>
             <a:xfrm>
-              <a:off x="6089422" y="1160453"/>
-              <a:ext cx="1961501" cy="2615332"/>
-              <a:chOff x="4054797" y="2666874"/>
-              <a:chExt cx="1645920" cy="2194560"/>
+              <a:off x="6089422" y="1155701"/>
+              <a:ext cx="1961501" cy="2620083"/>
+              <a:chOff x="4054797" y="2662887"/>
+              <a:chExt cx="1645920" cy="2198547"/>
             </a:xfrm>
           </p:grpSpPr>
           <p:sp>
@@ -7138,8 +7394,8 @@
             </p:nvSpPr>
             <p:spPr>
               <a:xfrm rot="180000">
-                <a:off x="4299337" y="2689528"/>
-                <a:ext cx="1306361" cy="213064"/>
+                <a:off x="4215529" y="2662887"/>
+                <a:ext cx="1420695" cy="213064"/>
               </a:xfrm>
               <a:prstGeom prst="rect">
                 <a:avLst/>
@@ -7169,7 +7425,7 @@
                     <a:latin typeface="Batang" panose="02030600000101010101" pitchFamily="18" charset="-127"/>
                     <a:ea typeface="Batang" panose="02030600000101010101" pitchFamily="18" charset="-127"/>
                   </a:rPr>
-                  <a:t>IMAGE PLANE</a:t>
+                  <a:t>SENSOR PLANE</a:t>
                 </a:r>
               </a:p>
             </p:txBody>
@@ -7225,6 +7481,197 @@
             </a:p>
           </p:txBody>
         </p:sp>
+        <p:grpSp>
+          <p:nvGrpSpPr>
+            <p:cNvPr id="38" name="Group 37"/>
+            <p:cNvGrpSpPr/>
+            <p:nvPr/>
+          </p:nvGrpSpPr>
+          <p:grpSpPr>
+            <a:xfrm>
+              <a:off x="4815997" y="2210350"/>
+              <a:ext cx="484157" cy="258318"/>
+              <a:chOff x="4815997" y="2210350"/>
+              <a:chExt cx="484157" cy="258318"/>
+            </a:xfrm>
+          </p:grpSpPr>
+          <p:cxnSp>
+            <p:nvCxnSpPr>
+              <p:cNvPr id="122" name="standard basis x"/>
+              <p:cNvCxnSpPr/>
+              <p:nvPr/>
+            </p:nvCxnSpPr>
+            <p:spPr>
+              <a:xfrm flipV="1">
+                <a:off x="4815997" y="2254251"/>
+                <a:ext cx="289403" cy="214417"/>
+              </a:xfrm>
+              <a:prstGeom prst="line">
+                <a:avLst/>
+              </a:prstGeom>
+              <a:ln w="9525">
+                <a:solidFill>
+                  <a:srgbClr val="FF0000"/>
+                </a:solidFill>
+                <a:prstDash val="sysDot"/>
+                <a:headEnd type="none" w="med" len="med"/>
+                <a:tailEnd type="triangle" w="sm" len="lg"/>
+              </a:ln>
+              <a:effectLst>
+                <a:outerShdw blurRad="12700" dir="2700000" algn="tl" rotWithShape="0">
+                  <a:prstClr val="black">
+                    <a:alpha val="50000"/>
+                  </a:prstClr>
+                </a:outerShdw>
+              </a:effectLst>
+            </p:spPr>
+            <p:style>
+              <a:lnRef idx="1">
+                <a:schemeClr val="accent1"/>
+              </a:lnRef>
+              <a:fillRef idx="0">
+                <a:schemeClr val="accent1"/>
+              </a:fillRef>
+              <a:effectRef idx="0">
+                <a:schemeClr val="accent1"/>
+              </a:effectRef>
+              <a:fontRef idx="minor">
+                <a:schemeClr val="tx1"/>
+              </a:fontRef>
+            </p:style>
+          </p:cxnSp>
+          <mc:AlternateContent xmlns:mc="http://schemas.openxmlformats.org/markup-compatibility/2006">
+            <mc:Choice xmlns:a14="http://schemas.microsoft.com/office/drawing/2010/main" Requires="a14">
+              <p:sp>
+                <p:nvSpPr>
+                  <p:cNvPr id="132" name="cx"/>
+                  <p:cNvSpPr txBox="1"/>
+                  <p:nvPr/>
+                </p:nvSpPr>
+                <p:spPr>
+                  <a:xfrm>
+                    <a:off x="4983016" y="2210350"/>
+                    <a:ext cx="317138" cy="230832"/>
+                  </a:xfrm>
+                  <a:prstGeom prst="rect">
+                    <a:avLst/>
+                  </a:prstGeom>
+                  <a:noFill/>
+                </p:spPr>
+                <p:txBody>
+                  <a:bodyPr wrap="none" rtlCol="0">
+                    <a:spAutoFit/>
+                  </a:bodyPr>
+                  <a:lstStyle/>
+                  <a:p>
+                    <a:pPr/>
+                    <a14:m>
+                      <m:oMathPara xmlns:m="http://schemas.openxmlformats.org/officeDocument/2006/math">
+                        <m:oMathParaPr>
+                          <m:jc m:val="centerGroup"/>
+                        </m:oMathParaPr>
+                        <m:oMath xmlns:m="http://schemas.openxmlformats.org/officeDocument/2006/math">
+                          <m:sSub>
+                            <m:sSubPr>
+                              <m:ctrlPr>
+                                <a:rPr lang="en-US" sz="900" b="0" i="1" smtClean="0">
+                                  <a:solidFill>
+                                    <a:srgbClr val="FF0000"/>
+                                  </a:solidFill>
+                                  <a:latin typeface="Cambria Math" panose="02040503050406030204" pitchFamily="18" charset="0"/>
+                                </a:rPr>
+                              </m:ctrlPr>
+                            </m:sSubPr>
+                            <m:e>
+                              <m:acc>
+                                <m:accPr>
+                                  <m:chr m:val="̂"/>
+                                  <m:ctrlPr>
+                                    <a:rPr lang="en-US" sz="900" b="0" i="1" smtClean="0">
+                                      <a:solidFill>
+                                        <a:srgbClr val="FF0000"/>
+                                      </a:solidFill>
+                                      <a:latin typeface="Cambria Math" panose="02040503050406030204" pitchFamily="18" charset="0"/>
+                                    </a:rPr>
+                                  </m:ctrlPr>
+                                </m:accPr>
+                                <m:e>
+                                  <m:r>
+                                    <a:rPr lang="en-US" sz="900" b="0" i="1" smtClean="0">
+                                      <a:solidFill>
+                                        <a:srgbClr val="FF0000"/>
+                                      </a:solidFill>
+                                      <a:latin typeface="Cambria Math" panose="02040503050406030204" pitchFamily="18" charset="0"/>
+                                    </a:rPr>
+                                    <m:t>𝑐</m:t>
+                                  </m:r>
+                                </m:e>
+                              </m:acc>
+                            </m:e>
+                            <m:sub>
+                              <m:r>
+                                <a:rPr lang="en-US" sz="900" b="0" i="1" smtClean="0">
+                                  <a:solidFill>
+                                    <a:srgbClr val="FF0000"/>
+                                  </a:solidFill>
+                                  <a:latin typeface="Cambria Math" panose="02040503050406030204" pitchFamily="18" charset="0"/>
+                                </a:rPr>
+                                <m:t>𝑥</m:t>
+                              </m:r>
+                            </m:sub>
+                          </m:sSub>
+                        </m:oMath>
+                      </m:oMathPara>
+                    </a14:m>
+                    <a:endParaRPr lang="en-US" sz="900" dirty="0">
+                      <a:solidFill>
+                        <a:srgbClr val="FF0000"/>
+                      </a:solidFill>
+                    </a:endParaRPr>
+                  </a:p>
+                </p:txBody>
+              </p:sp>
+            </mc:Choice>
+            <mc:Fallback>
+              <p:sp>
+                <p:nvSpPr>
+                  <p:cNvPr id="132" name="cx"/>
+                  <p:cNvSpPr txBox="1">
+                    <a:spLocks noRot="1" noChangeAspect="1" noMove="1" noResize="1" noEditPoints="1" noAdjustHandles="1" noChangeArrowheads="1" noChangeShapeType="1" noTextEdit="1"/>
+                  </p:cNvSpPr>
+                  <p:nvPr/>
+                </p:nvSpPr>
+                <p:spPr>
+                  <a:xfrm>
+                    <a:off x="4983016" y="2210350"/>
+                    <a:ext cx="317138" cy="230832"/>
+                  </a:xfrm>
+                  <a:prstGeom prst="rect">
+                    <a:avLst/>
+                  </a:prstGeom>
+                  <a:blipFill>
+                    <a:blip r:embed="rId6"/>
+                    <a:stretch>
+                      <a:fillRect r="-5769"/>
+                    </a:stretch>
+                  </a:blipFill>
+                </p:spPr>
+                <p:txBody>
+                  <a:bodyPr/>
+                  <a:lstStyle/>
+                  <a:p>
+                    <a:r>
+                      <a:rPr lang="en-US">
+                        <a:noFill/>
+                      </a:rPr>
+                      <a:t> </a:t>
+                    </a:r>
+                  </a:p>
+                </p:txBody>
+              </p:sp>
+            </mc:Fallback>
+          </mc:AlternateContent>
+        </p:grpSp>
         <p:sp>
           <p:nvSpPr>
             <p:cNvPr id="17" name="SagittalRightPlaneBack"/>
@@ -7309,6 +7756,49 @@
             </a:p>
           </p:txBody>
         </p:sp>
+        <p:cxnSp>
+          <p:nvCxnSpPr>
+            <p:cNvPr id="29" name="Straight Connector 28"/>
+            <p:cNvCxnSpPr>
+              <a:cxnSpLocks noChangeAspect="1"/>
+            </p:cNvCxnSpPr>
+            <p:nvPr/>
+          </p:nvCxnSpPr>
+          <p:spPr>
+            <a:xfrm rot="420000">
+              <a:off x="4722174" y="2153735"/>
+              <a:ext cx="214947" cy="1362152"/>
+            </a:xfrm>
+            <a:prstGeom prst="line">
+              <a:avLst/>
+            </a:prstGeom>
+            <a:ln w="6350">
+              <a:solidFill>
+                <a:schemeClr val="tx1">
+                  <a:lumMod val="65000"/>
+                  <a:lumOff val="35000"/>
+                </a:schemeClr>
+              </a:solidFill>
+              <a:prstDash val="dash"/>
+              <a:headEnd type="none" w="med" len="med"/>
+              <a:tailEnd type="none" w="med" len="med"/>
+            </a:ln>
+          </p:spPr>
+          <p:style>
+            <a:lnRef idx="1">
+              <a:schemeClr val="accent1"/>
+            </a:lnRef>
+            <a:fillRef idx="0">
+              <a:schemeClr val="accent1"/>
+            </a:fillRef>
+            <a:effectRef idx="0">
+              <a:schemeClr val="accent1"/>
+            </a:effectRef>
+            <a:fontRef idx="minor">
+              <a:schemeClr val="tx1"/>
+            </a:fontRef>
+          </p:style>
+        </p:cxnSp>
         <p:grpSp>
           <p:nvGrpSpPr>
             <p:cNvPr id="18" name="MeridionalPlaneBot"/>
@@ -8034,7 +8524,7 @@
                   <a:avLst/>
                 </a:prstGeom>
                 <a:blipFill>
-                  <a:blip r:embed="rId5"/>
+                  <a:blip r:embed="rId7"/>
                   <a:stretch>
                     <a:fillRect r="-12766"/>
                   </a:stretch>
@@ -8165,7 +8655,7 @@
                   <a:avLst/>
                 </a:prstGeom>
                 <a:blipFill>
-                  <a:blip r:embed="rId6"/>
+                  <a:blip r:embed="rId8"/>
                   <a:stretch>
                     <a:fillRect/>
                   </a:stretch>
@@ -8283,49 +8773,6 @@
             <a:xfrm rot="420000">
               <a:off x="5330653" y="1618670"/>
               <a:ext cx="223679" cy="1416638"/>
-            </a:xfrm>
-            <a:prstGeom prst="line">
-              <a:avLst/>
-            </a:prstGeom>
-            <a:ln w="6350">
-              <a:solidFill>
-                <a:schemeClr val="tx1">
-                  <a:lumMod val="65000"/>
-                  <a:lumOff val="35000"/>
-                </a:schemeClr>
-              </a:solidFill>
-              <a:prstDash val="dash"/>
-              <a:headEnd type="none" w="med" len="med"/>
-              <a:tailEnd type="none" w="med" len="med"/>
-            </a:ln>
-          </p:spPr>
-          <p:style>
-            <a:lnRef idx="1">
-              <a:schemeClr val="accent1"/>
-            </a:lnRef>
-            <a:fillRef idx="0">
-              <a:schemeClr val="accent1"/>
-            </a:fillRef>
-            <a:effectRef idx="0">
-              <a:schemeClr val="accent1"/>
-            </a:effectRef>
-            <a:fontRef idx="minor">
-              <a:schemeClr val="tx1"/>
-            </a:fontRef>
-          </p:style>
-        </p:cxnSp>
-        <p:cxnSp>
-          <p:nvCxnSpPr>
-            <p:cNvPr id="29" name="Straight Connector 28"/>
-            <p:cNvCxnSpPr>
-              <a:cxnSpLocks noChangeAspect="1"/>
-            </p:cNvCxnSpPr>
-            <p:nvPr/>
-          </p:nvCxnSpPr>
-          <p:spPr>
-            <a:xfrm rot="420000">
-              <a:off x="4722174" y="2153735"/>
-              <a:ext cx="214947" cy="1362152"/>
             </a:xfrm>
             <a:prstGeom prst="line">
               <a:avLst/>
@@ -8498,7 +8945,7 @@
                   <a:avLst/>
                 </a:prstGeom>
                 <a:blipFill>
-                  <a:blip r:embed="rId7"/>
+                  <a:blip r:embed="rId9"/>
                   <a:stretch>
                     <a:fillRect/>
                   </a:stretch>
@@ -8641,7 +9088,7 @@
                   <a:avLst/>
                 </a:prstGeom>
                 <a:blipFill>
-                  <a:blip r:embed="rId8"/>
+                  <a:blip r:embed="rId10"/>
                   <a:stretch>
                     <a:fillRect/>
                   </a:stretch>
@@ -8775,7 +9222,7 @@
               </p:nvSpPr>
               <p:spPr>
                 <a:xfrm rot="20896639">
-                  <a:off x="1850849" y="1798431"/>
+                  <a:off x="1867941" y="1798431"/>
                   <a:ext cx="1100935" cy="261610"/>
                 </a:xfrm>
                 <a:prstGeom prst="rect">
@@ -8936,14 +9383,14 @@
               </p:nvSpPr>
               <p:spPr>
                 <a:xfrm rot="20896639">
-                  <a:off x="1850849" y="1798431"/>
+                  <a:off x="1867941" y="1798431"/>
                   <a:ext cx="1100935" cy="261610"/>
                 </a:xfrm>
                 <a:prstGeom prst="rect">
                   <a:avLst/>
                 </a:prstGeom>
                 <a:blipFill>
-                  <a:blip r:embed="rId9"/>
+                  <a:blip r:embed="rId11"/>
                   <a:stretch>
                     <a:fillRect/>
                   </a:stretch>
@@ -9325,262 +9772,6 @@
             </a:p>
           </p:txBody>
         </p:sp>
-        <mc:AlternateContent xmlns:mc="http://schemas.openxmlformats.org/markup-compatibility/2006">
-          <mc:Choice xmlns:a14="http://schemas.microsoft.com/office/drawing/2010/main" Requires="a14">
-            <p:sp>
-              <p:nvSpPr>
-                <p:cNvPr id="50" name="TextBox 49"/>
-                <p:cNvSpPr txBox="1"/>
-                <p:nvPr/>
-              </p:nvSpPr>
-              <p:spPr>
-                <a:xfrm rot="20960449">
-                  <a:off x="6271494" y="2990919"/>
-                  <a:ext cx="725470" cy="261610"/>
-                </a:xfrm>
-                <a:prstGeom prst="rect">
-                  <a:avLst/>
-                </a:prstGeom>
-                <a:noFill/>
-              </p:spPr>
-              <p:txBody>
-                <a:bodyPr wrap="square" rtlCol="0">
-                  <a:spAutoFit/>
-                </a:bodyPr>
-                <a:lstStyle/>
-                <a:p>
-                  <a:pPr/>
-                  <a14:m>
-                    <m:oMathPara xmlns:m="http://schemas.openxmlformats.org/officeDocument/2006/math">
-                      <m:oMathParaPr>
-                        <m:jc m:val="centerGroup"/>
-                      </m:oMathParaPr>
-                      <m:oMath xmlns:m="http://schemas.openxmlformats.org/officeDocument/2006/math">
-                        <m:acc>
-                          <m:accPr>
-                            <m:chr m:val="́"/>
-                            <m:ctrlPr>
-                              <a:rPr lang="en-US" sz="1100" b="0" i="1" smtClean="0">
-                                <a:solidFill>
-                                  <a:schemeClr val="tx1">
-                                    <a:lumMod val="95000"/>
-                                    <a:lumOff val="5000"/>
-                                  </a:schemeClr>
-                                </a:solidFill>
-                                <a:latin typeface="Cambria Math" panose="02040503050406030204" pitchFamily="18" charset="0"/>
-                              </a:rPr>
-                            </m:ctrlPr>
-                          </m:accPr>
-                          <m:e>
-                            <m:r>
-                              <m:rPr>
-                                <m:nor/>
-                              </m:rPr>
-                              <a:rPr lang="en-US" sz="1100" b="1" i="0" smtClean="0">
-                                <a:solidFill>
-                                  <a:schemeClr val="tx1">
-                                    <a:lumMod val="95000"/>
-                                    <a:lumOff val="5000"/>
-                                  </a:schemeClr>
-                                </a:solidFill>
-                                <a:latin typeface="Cambria Math" panose="02040503050406030204" pitchFamily="18" charset="0"/>
-                              </a:rPr>
-                              <m:t>x</m:t>
-                            </m:r>
-                          </m:e>
-                        </m:acc>
-                        <m:r>
-                          <a:rPr lang="en-US" sz="1100" b="0" i="1" smtClean="0">
-                            <a:solidFill>
-                              <a:schemeClr val="tx1">
-                                <a:lumMod val="95000"/>
-                                <a:lumOff val="5000"/>
-                              </a:schemeClr>
-                            </a:solidFill>
-                            <a:latin typeface="Cambria Math" panose="02040503050406030204" pitchFamily="18" charset="0"/>
-                          </a:rPr>
-                          <m:t>(</m:t>
-                        </m:r>
-                        <m:acc>
-                          <m:accPr>
-                            <m:chr m:val="́"/>
-                            <m:ctrlPr>
-                              <a:rPr lang="en-US" sz="1100" b="0" i="1" smtClean="0">
-                                <a:solidFill>
-                                  <a:schemeClr val="tx1">
-                                    <a:lumMod val="95000"/>
-                                    <a:lumOff val="5000"/>
-                                  </a:schemeClr>
-                                </a:solidFill>
-                                <a:latin typeface="Cambria Math" panose="02040503050406030204" pitchFamily="18" charset="0"/>
-                              </a:rPr>
-                            </m:ctrlPr>
-                          </m:accPr>
-                          <m:e>
-                            <m:r>
-                              <a:rPr lang="en-US" sz="1100" b="0" i="1" smtClean="0">
-                                <a:solidFill>
-                                  <a:schemeClr val="tx1">
-                                    <a:lumMod val="95000"/>
-                                    <a:lumOff val="5000"/>
-                                  </a:schemeClr>
-                                </a:solidFill>
-                                <a:latin typeface="Cambria Math" panose="02040503050406030204" pitchFamily="18" charset="0"/>
-                              </a:rPr>
-                              <m:t>𝑥</m:t>
-                            </m:r>
-                          </m:e>
-                        </m:acc>
-                        <m:r>
-                          <a:rPr lang="en-US" sz="1100" b="0" i="1" smtClean="0">
-                            <a:solidFill>
-                              <a:schemeClr val="tx1">
-                                <a:lumMod val="95000"/>
-                                <a:lumOff val="5000"/>
-                              </a:schemeClr>
-                            </a:solidFill>
-                            <a:latin typeface="Cambria Math" panose="02040503050406030204" pitchFamily="18" charset="0"/>
-                          </a:rPr>
-                          <m:t>, </m:t>
-                        </m:r>
-                        <m:acc>
-                          <m:accPr>
-                            <m:chr m:val="́"/>
-                            <m:ctrlPr>
-                              <a:rPr lang="en-US" sz="1100" b="0" i="1" smtClean="0">
-                                <a:solidFill>
-                                  <a:schemeClr val="tx1">
-                                    <a:lumMod val="95000"/>
-                                    <a:lumOff val="5000"/>
-                                  </a:schemeClr>
-                                </a:solidFill>
-                                <a:latin typeface="Cambria Math" panose="02040503050406030204" pitchFamily="18" charset="0"/>
-                              </a:rPr>
-                            </m:ctrlPr>
-                          </m:accPr>
-                          <m:e>
-                            <m:r>
-                              <a:rPr lang="en-US" sz="1100" b="0" i="1" smtClean="0">
-                                <a:solidFill>
-                                  <a:schemeClr val="tx1">
-                                    <a:lumMod val="95000"/>
-                                    <a:lumOff val="5000"/>
-                                  </a:schemeClr>
-                                </a:solidFill>
-                                <a:latin typeface="Cambria Math" panose="02040503050406030204" pitchFamily="18" charset="0"/>
-                              </a:rPr>
-                              <m:t>𝑦</m:t>
-                            </m:r>
-                          </m:e>
-                        </m:acc>
-                        <m:r>
-                          <a:rPr lang="en-US" sz="1100" b="0" i="1" smtClean="0">
-                            <a:solidFill>
-                              <a:schemeClr val="tx1">
-                                <a:lumMod val="95000"/>
-                                <a:lumOff val="5000"/>
-                              </a:schemeClr>
-                            </a:solidFill>
-                            <a:latin typeface="Cambria Math" panose="02040503050406030204" pitchFamily="18" charset="0"/>
-                          </a:rPr>
-                          <m:t>,</m:t>
-                        </m:r>
-                        <m:acc>
-                          <m:accPr>
-                            <m:chr m:val="́"/>
-                            <m:ctrlPr>
-                              <a:rPr lang="en-US" sz="1100" b="0" i="1" smtClean="0">
-                                <a:solidFill>
-                                  <a:schemeClr val="tx1">
-                                    <a:lumMod val="95000"/>
-                                    <a:lumOff val="5000"/>
-                                  </a:schemeClr>
-                                </a:solidFill>
-                                <a:latin typeface="Cambria Math" panose="02040503050406030204" pitchFamily="18" charset="0"/>
-                              </a:rPr>
-                            </m:ctrlPr>
-                          </m:accPr>
-                          <m:e>
-                            <m:r>
-                              <a:rPr lang="en-US" sz="1100" b="0" i="1" smtClean="0">
-                                <a:solidFill>
-                                  <a:schemeClr val="tx1">
-                                    <a:lumMod val="95000"/>
-                                    <a:lumOff val="5000"/>
-                                  </a:schemeClr>
-                                </a:solidFill>
-                                <a:latin typeface="Cambria Math" panose="02040503050406030204" pitchFamily="18" charset="0"/>
-                              </a:rPr>
-                              <m:t>𝑧</m:t>
-                            </m:r>
-                          </m:e>
-                        </m:acc>
-                        <m:r>
-                          <a:rPr lang="en-US" sz="1100" b="0" i="1" smtClean="0">
-                            <a:solidFill>
-                              <a:schemeClr val="tx1">
-                                <a:lumMod val="95000"/>
-                                <a:lumOff val="5000"/>
-                              </a:schemeClr>
-                            </a:solidFill>
-                            <a:latin typeface="Cambria Math" panose="02040503050406030204" pitchFamily="18" charset="0"/>
-                          </a:rPr>
-                          <m:t>)</m:t>
-                        </m:r>
-                      </m:oMath>
-                    </m:oMathPara>
-                  </a14:m>
-                  <a:endParaRPr lang="en-US" sz="1100" dirty="0">
-                    <a:solidFill>
-                      <a:schemeClr val="tx1">
-                        <a:lumMod val="95000"/>
-                        <a:lumOff val="5000"/>
-                      </a:schemeClr>
-                    </a:solidFill>
-                  </a:endParaRPr>
-                </a:p>
-              </p:txBody>
-            </p:sp>
-          </mc:Choice>
-          <mc:Fallback>
-            <p:sp>
-              <p:nvSpPr>
-                <p:cNvPr id="50" name="TextBox 49"/>
-                <p:cNvSpPr txBox="1">
-                  <a:spLocks noRot="1" noChangeAspect="1" noMove="1" noResize="1" noEditPoints="1" noAdjustHandles="1" noChangeArrowheads="1" noChangeShapeType="1" noTextEdit="1"/>
-                </p:cNvSpPr>
-                <p:nvPr/>
-              </p:nvSpPr>
-              <p:spPr>
-                <a:xfrm rot="20960449">
-                  <a:off x="6271494" y="2990919"/>
-                  <a:ext cx="725470" cy="261610"/>
-                </a:xfrm>
-                <a:prstGeom prst="rect">
-                  <a:avLst/>
-                </a:prstGeom>
-                <a:blipFill>
-                  <a:blip r:embed="rId10"/>
-                  <a:stretch>
-                    <a:fillRect/>
-                  </a:stretch>
-                </a:blipFill>
-              </p:spPr>
-              <p:txBody>
-                <a:bodyPr/>
-                <a:lstStyle/>
-                <a:p>
-                  <a:r>
-                    <a:rPr lang="en-US">
-                      <a:noFill/>
-                    </a:rPr>
-                    <a:t> </a:t>
-                  </a:r>
-                </a:p>
-              </p:txBody>
-            </p:sp>
-          </mc:Fallback>
-        </mc:AlternateContent>
         <p:grpSp>
           <p:nvGrpSpPr>
             <p:cNvPr id="51" name="Group 50"/>
@@ -9767,7 +9958,7 @@
                   <a:avLst/>
                 </a:prstGeom>
                 <a:blipFill>
-                  <a:blip r:embed="rId11"/>
+                  <a:blip r:embed="rId12"/>
                   <a:stretch>
                     <a:fillRect/>
                   </a:stretch>
@@ -9893,7 +10084,7 @@
                   <a:avLst/>
                 </a:prstGeom>
                 <a:blipFill>
-                  <a:blip r:embed="rId12"/>
+                  <a:blip r:embed="rId13"/>
                   <a:stretch>
                     <a:fillRect/>
                   </a:stretch>
@@ -10016,7 +10207,7 @@
                   <a:avLst/>
                 </a:prstGeom>
                 <a:blipFill>
-                  <a:blip r:embed="rId13"/>
+                  <a:blip r:embed="rId14"/>
                   <a:stretch>
                     <a:fillRect/>
                   </a:stretch>
@@ -10478,6 +10669,455 @@
             </a:fontRef>
           </p:style>
         </p:cxnSp>
+        <p:cxnSp>
+          <p:nvCxnSpPr>
+            <p:cNvPr id="102" name="Straight Arrow Connector 101"/>
+            <p:cNvCxnSpPr/>
+            <p:nvPr/>
+          </p:nvCxnSpPr>
+          <p:spPr>
+            <a:xfrm flipV="1">
+              <a:off x="4809867" y="2036783"/>
+              <a:ext cx="0" cy="435889"/>
+            </a:xfrm>
+            <a:prstGeom prst="straightConnector1">
+              <a:avLst/>
+            </a:prstGeom>
+            <a:ln w="9525">
+              <a:solidFill>
+                <a:srgbClr val="00B050"/>
+              </a:solidFill>
+              <a:prstDash val="sysDot"/>
+              <a:headEnd type="none" w="med" len="med"/>
+              <a:tailEnd type="triangle" w="sm" len="lg"/>
+            </a:ln>
+            <a:effectLst>
+              <a:outerShdw blurRad="12700" dir="2700000" algn="tl" rotWithShape="0">
+                <a:prstClr val="black">
+                  <a:alpha val="50000"/>
+                </a:prstClr>
+              </a:outerShdw>
+            </a:effectLst>
+          </p:spPr>
+          <p:style>
+            <a:lnRef idx="1">
+              <a:schemeClr val="accent1"/>
+            </a:lnRef>
+            <a:fillRef idx="0">
+              <a:schemeClr val="accent1"/>
+            </a:fillRef>
+            <a:effectRef idx="0">
+              <a:schemeClr val="accent1"/>
+            </a:effectRef>
+            <a:fontRef idx="minor">
+              <a:schemeClr val="tx1"/>
+            </a:fontRef>
+          </p:style>
+        </p:cxnSp>
+        <p:cxnSp>
+          <p:nvCxnSpPr>
+            <p:cNvPr id="103" name="Straight Connector 102"/>
+            <p:cNvCxnSpPr/>
+            <p:nvPr/>
+          </p:nvCxnSpPr>
+          <p:spPr>
+            <a:xfrm>
+              <a:off x="4811234" y="2468666"/>
+              <a:ext cx="435889" cy="0"/>
+            </a:xfrm>
+            <a:prstGeom prst="line">
+              <a:avLst/>
+            </a:prstGeom>
+            <a:ln w="9525">
+              <a:solidFill>
+                <a:srgbClr val="1C87FC"/>
+              </a:solidFill>
+              <a:prstDash val="sysDot"/>
+              <a:headEnd type="none" w="med" len="med"/>
+              <a:tailEnd type="triangle" w="sm" len="lg"/>
+            </a:ln>
+            <a:effectLst>
+              <a:outerShdw blurRad="12700" dir="2700000" algn="tl" rotWithShape="0">
+                <a:prstClr val="black">
+                  <a:alpha val="50000"/>
+                </a:prstClr>
+              </a:outerShdw>
+            </a:effectLst>
+          </p:spPr>
+          <p:style>
+            <a:lnRef idx="1">
+              <a:schemeClr val="accent1"/>
+            </a:lnRef>
+            <a:fillRef idx="0">
+              <a:schemeClr val="accent1"/>
+            </a:fillRef>
+            <a:effectRef idx="0">
+              <a:schemeClr val="accent1"/>
+            </a:effectRef>
+            <a:fontRef idx="minor">
+              <a:schemeClr val="tx1"/>
+            </a:fontRef>
+          </p:style>
+        </p:cxnSp>
+        <mc:AlternateContent xmlns:mc="http://schemas.openxmlformats.org/markup-compatibility/2006">
+          <mc:Choice xmlns:a14="http://schemas.microsoft.com/office/drawing/2010/main" Requires="a14">
+            <p:sp>
+              <p:nvSpPr>
+                <p:cNvPr id="104" name="TextBox 103"/>
+                <p:cNvSpPr txBox="1"/>
+                <p:nvPr/>
+              </p:nvSpPr>
+              <p:spPr>
+                <a:xfrm>
+                  <a:off x="5036991" y="2431012"/>
+                  <a:ext cx="311944" cy="230832"/>
+                </a:xfrm>
+                <a:prstGeom prst="rect">
+                  <a:avLst/>
+                </a:prstGeom>
+                <a:noFill/>
+              </p:spPr>
+              <p:txBody>
+                <a:bodyPr wrap="none" rtlCol="0">
+                  <a:spAutoFit/>
+                </a:bodyPr>
+                <a:lstStyle/>
+                <a:p>
+                  <a:pPr/>
+                  <a14:m>
+                    <m:oMathPara xmlns:m="http://schemas.openxmlformats.org/officeDocument/2006/math">
+                      <m:oMathParaPr>
+                        <m:jc m:val="centerGroup"/>
+                      </m:oMathParaPr>
+                      <m:oMath xmlns:m="http://schemas.openxmlformats.org/officeDocument/2006/math">
+                        <m:sSub>
+                          <m:sSubPr>
+                            <m:ctrlPr>
+                              <a:rPr lang="en-US" sz="900" b="0" i="1" smtClean="0">
+                                <a:solidFill>
+                                  <a:srgbClr val="1C87FC"/>
+                                </a:solidFill>
+                                <a:latin typeface="Cambria Math" panose="02040503050406030204" pitchFamily="18" charset="0"/>
+                              </a:rPr>
+                            </m:ctrlPr>
+                          </m:sSubPr>
+                          <m:e>
+                            <m:acc>
+                              <m:accPr>
+                                <m:chr m:val="̂"/>
+                                <m:ctrlPr>
+                                  <a:rPr lang="en-US" sz="900" b="0" i="1" smtClean="0">
+                                    <a:solidFill>
+                                      <a:srgbClr val="1C87FC"/>
+                                    </a:solidFill>
+                                    <a:latin typeface="Cambria Math" panose="02040503050406030204" pitchFamily="18" charset="0"/>
+                                  </a:rPr>
+                                </m:ctrlPr>
+                              </m:accPr>
+                              <m:e>
+                                <m:r>
+                                  <a:rPr lang="en-US" sz="900" b="0" i="1" smtClean="0">
+                                    <a:solidFill>
+                                      <a:srgbClr val="1C87FC"/>
+                                    </a:solidFill>
+                                    <a:latin typeface="Cambria Math" panose="02040503050406030204" pitchFamily="18" charset="0"/>
+                                  </a:rPr>
+                                  <m:t>𝑐</m:t>
+                                </m:r>
+                              </m:e>
+                            </m:acc>
+                          </m:e>
+                          <m:sub>
+                            <m:r>
+                              <a:rPr lang="en-US" sz="900" b="0" i="1" smtClean="0">
+                                <a:solidFill>
+                                  <a:srgbClr val="1C87FC"/>
+                                </a:solidFill>
+                                <a:latin typeface="Cambria Math" panose="02040503050406030204" pitchFamily="18" charset="0"/>
+                              </a:rPr>
+                              <m:t>𝑧</m:t>
+                            </m:r>
+                          </m:sub>
+                        </m:sSub>
+                      </m:oMath>
+                    </m:oMathPara>
+                  </a14:m>
+                  <a:endParaRPr lang="en-US" sz="900" dirty="0">
+                    <a:solidFill>
+                      <a:srgbClr val="1C87FC"/>
+                    </a:solidFill>
+                  </a:endParaRPr>
+                </a:p>
+              </p:txBody>
+            </p:sp>
+          </mc:Choice>
+          <mc:Fallback>
+            <p:sp>
+              <p:nvSpPr>
+                <p:cNvPr id="104" name="TextBox 103"/>
+                <p:cNvSpPr txBox="1">
+                  <a:spLocks noRot="1" noChangeAspect="1" noMove="1" noResize="1" noEditPoints="1" noAdjustHandles="1" noChangeArrowheads="1" noChangeShapeType="1" noTextEdit="1"/>
+                </p:cNvSpPr>
+                <p:nvPr/>
+              </p:nvSpPr>
+              <p:spPr>
+                <a:xfrm>
+                  <a:off x="5036991" y="2431012"/>
+                  <a:ext cx="311944" cy="230832"/>
+                </a:xfrm>
+                <a:prstGeom prst="rect">
+                  <a:avLst/>
+                </a:prstGeom>
+                <a:blipFill>
+                  <a:blip r:embed="rId15"/>
+                  <a:stretch>
+                    <a:fillRect r="-5882"/>
+                  </a:stretch>
+                </a:blipFill>
+              </p:spPr>
+              <p:txBody>
+                <a:bodyPr/>
+                <a:lstStyle/>
+                <a:p>
+                  <a:r>
+                    <a:rPr lang="en-US">
+                      <a:noFill/>
+                    </a:rPr>
+                    <a:t> </a:t>
+                  </a:r>
+                </a:p>
+              </p:txBody>
+            </p:sp>
+          </mc:Fallback>
+        </mc:AlternateContent>
+        <mc:AlternateContent xmlns:mc="http://schemas.openxmlformats.org/markup-compatibility/2006">
+          <mc:Choice xmlns:a14="http://schemas.microsoft.com/office/drawing/2010/main" Requires="a14">
+            <p:sp>
+              <p:nvSpPr>
+                <p:cNvPr id="105" name="TextBox 104"/>
+                <p:cNvSpPr txBox="1"/>
+                <p:nvPr/>
+              </p:nvSpPr>
+              <p:spPr>
+                <a:xfrm>
+                  <a:off x="4655829" y="1816853"/>
+                  <a:ext cx="320151" cy="241733"/>
+                </a:xfrm>
+                <a:prstGeom prst="rect">
+                  <a:avLst/>
+                </a:prstGeom>
+                <a:noFill/>
+              </p:spPr>
+              <p:txBody>
+                <a:bodyPr wrap="none" rtlCol="0">
+                  <a:spAutoFit/>
+                </a:bodyPr>
+                <a:lstStyle/>
+                <a:p>
+                  <a:pPr/>
+                  <a14:m>
+                    <m:oMathPara xmlns:m="http://schemas.openxmlformats.org/officeDocument/2006/math">
+                      <m:oMathParaPr>
+                        <m:jc m:val="centerGroup"/>
+                      </m:oMathParaPr>
+                      <m:oMath xmlns:m="http://schemas.openxmlformats.org/officeDocument/2006/math">
+                        <m:sSub>
+                          <m:sSubPr>
+                            <m:ctrlPr>
+                              <a:rPr lang="en-US" sz="900" b="0" i="1" smtClean="0">
+                                <a:solidFill>
+                                  <a:srgbClr val="00B050"/>
+                                </a:solidFill>
+                                <a:latin typeface="Cambria Math" panose="02040503050406030204" pitchFamily="18" charset="0"/>
+                              </a:rPr>
+                            </m:ctrlPr>
+                          </m:sSubPr>
+                          <m:e>
+                            <m:acc>
+                              <m:accPr>
+                                <m:chr m:val="̂"/>
+                                <m:ctrlPr>
+                                  <a:rPr lang="en-US" sz="900" b="0" i="1" smtClean="0">
+                                    <a:solidFill>
+                                      <a:srgbClr val="00B050"/>
+                                    </a:solidFill>
+                                    <a:latin typeface="Cambria Math" panose="02040503050406030204" pitchFamily="18" charset="0"/>
+                                  </a:rPr>
+                                </m:ctrlPr>
+                              </m:accPr>
+                              <m:e>
+                                <m:r>
+                                  <a:rPr lang="en-US" sz="900" b="0" i="1" smtClean="0">
+                                    <a:solidFill>
+                                      <a:srgbClr val="00B050"/>
+                                    </a:solidFill>
+                                    <a:latin typeface="Cambria Math" panose="02040503050406030204" pitchFamily="18" charset="0"/>
+                                  </a:rPr>
+                                  <m:t>𝑐</m:t>
+                                </m:r>
+                              </m:e>
+                            </m:acc>
+                          </m:e>
+                          <m:sub>
+                            <m:r>
+                              <a:rPr lang="en-US" sz="900" b="0" i="1" smtClean="0">
+                                <a:solidFill>
+                                  <a:srgbClr val="00B050"/>
+                                </a:solidFill>
+                                <a:latin typeface="Cambria Math" panose="02040503050406030204" pitchFamily="18" charset="0"/>
+                              </a:rPr>
+                              <m:t>𝑦</m:t>
+                            </m:r>
+                          </m:sub>
+                        </m:sSub>
+                      </m:oMath>
+                    </m:oMathPara>
+                  </a14:m>
+                  <a:endParaRPr lang="en-US" sz="900" dirty="0">
+                    <a:solidFill>
+                      <a:srgbClr val="00B050"/>
+                    </a:solidFill>
+                  </a:endParaRPr>
+                </a:p>
+              </p:txBody>
+            </p:sp>
+          </mc:Choice>
+          <mc:Fallback>
+            <p:sp>
+              <p:nvSpPr>
+                <p:cNvPr id="105" name="TextBox 104"/>
+                <p:cNvSpPr txBox="1">
+                  <a:spLocks noRot="1" noChangeAspect="1" noMove="1" noResize="1" noEditPoints="1" noAdjustHandles="1" noChangeArrowheads="1" noChangeShapeType="1" noTextEdit="1"/>
+                </p:cNvSpPr>
+                <p:nvPr/>
+              </p:nvSpPr>
+              <p:spPr>
+                <a:xfrm>
+                  <a:off x="4655829" y="1816853"/>
+                  <a:ext cx="320151" cy="241733"/>
+                </a:xfrm>
+                <a:prstGeom prst="rect">
+                  <a:avLst/>
+                </a:prstGeom>
+                <a:blipFill>
+                  <a:blip r:embed="rId16"/>
+                  <a:stretch>
+                    <a:fillRect r="-3846"/>
+                  </a:stretch>
+                </a:blipFill>
+              </p:spPr>
+              <p:txBody>
+                <a:bodyPr/>
+                <a:lstStyle/>
+                <a:p>
+                  <a:r>
+                    <a:rPr lang="en-US">
+                      <a:noFill/>
+                    </a:rPr>
+                    <a:t> </a:t>
+                  </a:r>
+                </a:p>
+              </p:txBody>
+            </p:sp>
+          </mc:Fallback>
+        </mc:AlternateContent>
+        <mc:AlternateContent xmlns:mc="http://schemas.openxmlformats.org/markup-compatibility/2006">
+          <mc:Choice xmlns:a14="http://schemas.microsoft.com/office/drawing/2010/main" Requires="a14">
+            <p:sp>
+              <p:nvSpPr>
+                <p:cNvPr id="101" name="TextBox 100"/>
+                <p:cNvSpPr txBox="1"/>
+                <p:nvPr/>
+              </p:nvSpPr>
+              <p:spPr>
+                <a:xfrm>
+                  <a:off x="4733972" y="2434342"/>
+                  <a:ext cx="291349" cy="230832"/>
+                </a:xfrm>
+                <a:prstGeom prst="rect">
+                  <a:avLst/>
+                </a:prstGeom>
+                <a:noFill/>
+              </p:spPr>
+              <p:txBody>
+                <a:bodyPr wrap="square" rtlCol="0">
+                  <a:spAutoFit/>
+                </a:bodyPr>
+                <a:lstStyle/>
+                <a:p>
+                  <a:pPr/>
+                  <a14:m>
+                    <m:oMathPara xmlns:m="http://schemas.openxmlformats.org/officeDocument/2006/math">
+                      <m:oMathParaPr>
+                        <m:jc m:val="centerGroup"/>
+                      </m:oMathParaPr>
+                      <m:oMath xmlns:m="http://schemas.openxmlformats.org/officeDocument/2006/math">
+                        <m:d>
+                          <m:dPr>
+                            <m:begChr m:val="{"/>
+                            <m:endChr m:val="}"/>
+                            <m:ctrlPr>
+                              <a:rPr lang="en-US" sz="900" i="1" smtClean="0">
+                                <a:latin typeface="Cambria Math" panose="02040503050406030204" pitchFamily="18" charset="0"/>
+                              </a:rPr>
+                            </m:ctrlPr>
+                          </m:dPr>
+                          <m:e>
+                            <m:r>
+                              <a:rPr lang="en-US" sz="900" b="0" i="1" smtClean="0">
+                                <a:latin typeface="Cambria Math" panose="02040503050406030204" pitchFamily="18" charset="0"/>
+                              </a:rPr>
+                              <m:t>𝐶</m:t>
+                            </m:r>
+                          </m:e>
+                        </m:d>
+                      </m:oMath>
+                    </m:oMathPara>
+                  </a14:m>
+                  <a:endParaRPr lang="en-US" sz="900" dirty="0"/>
+                </a:p>
+              </p:txBody>
+            </p:sp>
+          </mc:Choice>
+          <mc:Fallback>
+            <p:sp>
+              <p:nvSpPr>
+                <p:cNvPr id="101" name="TextBox 100"/>
+                <p:cNvSpPr txBox="1">
+                  <a:spLocks noRot="1" noChangeAspect="1" noMove="1" noResize="1" noEditPoints="1" noAdjustHandles="1" noChangeArrowheads="1" noChangeShapeType="1" noTextEdit="1"/>
+                </p:cNvSpPr>
+                <p:nvPr/>
+              </p:nvSpPr>
+              <p:spPr>
+                <a:xfrm>
+                  <a:off x="4733972" y="2434342"/>
+                  <a:ext cx="291349" cy="230832"/>
+                </a:xfrm>
+                <a:prstGeom prst="rect">
+                  <a:avLst/>
+                </a:prstGeom>
+                <a:blipFill>
+                  <a:blip r:embed="rId17"/>
+                  <a:stretch>
+                    <a:fillRect/>
+                  </a:stretch>
+                </a:blipFill>
+              </p:spPr>
+              <p:txBody>
+                <a:bodyPr/>
+                <a:lstStyle/>
+                <a:p>
+                  <a:r>
+                    <a:rPr lang="en-US">
+                      <a:noFill/>
+                    </a:rPr>
+                    <a:t> </a:t>
+                  </a:r>
+                </a:p>
+              </p:txBody>
+            </p:sp>
+          </mc:Fallback>
+        </mc:AlternateContent>
         <p:grpSp>
           <p:nvGrpSpPr>
             <p:cNvPr id="60" name="SagittalLeftPlaneFront"/>
@@ -10611,485 +11251,6 @@
               </a:p>
             </p:txBody>
           </p:sp>
-        </p:grpSp>
-        <p:grpSp>
-          <p:nvGrpSpPr>
-            <p:cNvPr id="61" name="Group 60"/>
-            <p:cNvGrpSpPr/>
-            <p:nvPr/>
-          </p:nvGrpSpPr>
-          <p:grpSpPr>
-            <a:xfrm>
-              <a:off x="4660592" y="1820011"/>
-              <a:ext cx="693106" cy="848321"/>
-              <a:chOff x="7955281" y="848592"/>
-              <a:chExt cx="581594" cy="711837"/>
-            </a:xfrm>
-          </p:grpSpPr>
-          <p:grpSp>
-            <p:nvGrpSpPr>
-              <p:cNvPr id="100" name="Group 99"/>
-              <p:cNvGrpSpPr/>
-              <p:nvPr/>
-            </p:nvGrpSpPr>
-            <p:grpSpPr>
-              <a:xfrm>
-                <a:off x="7955281" y="848592"/>
-                <a:ext cx="581594" cy="698386"/>
-                <a:chOff x="3061338" y="2284667"/>
-                <a:chExt cx="581594" cy="698386"/>
-              </a:xfrm>
-            </p:grpSpPr>
-            <p:cxnSp>
-              <p:nvCxnSpPr>
-                <p:cNvPr id="102" name="Straight Arrow Connector 101"/>
-                <p:cNvCxnSpPr/>
-                <p:nvPr/>
-              </p:nvCxnSpPr>
-              <p:spPr>
-                <a:xfrm flipV="1">
-                  <a:off x="3190593" y="2469213"/>
-                  <a:ext cx="0" cy="365760"/>
-                </a:xfrm>
-                <a:prstGeom prst="straightConnector1">
-                  <a:avLst/>
-                </a:prstGeom>
-                <a:ln w="9525">
-                  <a:solidFill>
-                    <a:srgbClr val="00B050"/>
-                  </a:solidFill>
-                  <a:prstDash val="sysDot"/>
-                  <a:headEnd type="none" w="med" len="med"/>
-                  <a:tailEnd type="triangle" w="sm" len="lg"/>
-                </a:ln>
-                <a:effectLst>
-                  <a:outerShdw blurRad="12700" dir="2700000" algn="tl" rotWithShape="0">
-                    <a:prstClr val="black">
-                      <a:alpha val="50000"/>
-                    </a:prstClr>
-                  </a:outerShdw>
-                </a:effectLst>
-              </p:spPr>
-              <p:style>
-                <a:lnRef idx="1">
-                  <a:schemeClr val="accent1"/>
-                </a:lnRef>
-                <a:fillRef idx="0">
-                  <a:schemeClr val="accent1"/>
-                </a:fillRef>
-                <a:effectRef idx="0">
-                  <a:schemeClr val="accent1"/>
-                </a:effectRef>
-                <a:fontRef idx="minor">
-                  <a:schemeClr val="tx1"/>
-                </a:fontRef>
-              </p:style>
-            </p:cxnSp>
-            <p:cxnSp>
-              <p:nvCxnSpPr>
-                <p:cNvPr id="103" name="Straight Connector 102"/>
-                <p:cNvCxnSpPr/>
-                <p:nvPr/>
-              </p:nvCxnSpPr>
-              <p:spPr>
-                <a:xfrm>
-                  <a:off x="3191740" y="2831612"/>
-                  <a:ext cx="365760" cy="0"/>
-                </a:xfrm>
-                <a:prstGeom prst="line">
-                  <a:avLst/>
-                </a:prstGeom>
-                <a:ln w="9525">
-                  <a:solidFill>
-                    <a:srgbClr val="1C87FC"/>
-                  </a:solidFill>
-                  <a:prstDash val="sysDot"/>
-                  <a:headEnd type="none" w="med" len="med"/>
-                  <a:tailEnd type="triangle" w="sm" len="lg"/>
-                </a:ln>
-                <a:effectLst>
-                  <a:outerShdw blurRad="12700" dir="2700000" algn="tl" rotWithShape="0">
-                    <a:prstClr val="black">
-                      <a:alpha val="50000"/>
-                    </a:prstClr>
-                  </a:outerShdw>
-                </a:effectLst>
-              </p:spPr>
-              <p:style>
-                <a:lnRef idx="1">
-                  <a:schemeClr val="accent1"/>
-                </a:lnRef>
-                <a:fillRef idx="0">
-                  <a:schemeClr val="accent1"/>
-                </a:fillRef>
-                <a:effectRef idx="0">
-                  <a:schemeClr val="accent1"/>
-                </a:effectRef>
-                <a:fontRef idx="minor">
-                  <a:schemeClr val="tx1"/>
-                </a:fontRef>
-              </p:style>
-            </p:cxnSp>
-            <mc:AlternateContent xmlns:mc="http://schemas.openxmlformats.org/markup-compatibility/2006" xmlns:a14="http://schemas.microsoft.com/office/drawing/2010/main">
-              <mc:Choice Requires="a14">
-                <p:sp>
-                  <p:nvSpPr>
-                    <p:cNvPr id="104" name="TextBox 103"/>
-                    <p:cNvSpPr txBox="1"/>
-                    <p:nvPr/>
-                  </p:nvSpPr>
-                  <p:spPr>
-                    <a:xfrm>
-                      <a:off x="3381176" y="2789359"/>
-                      <a:ext cx="261756" cy="193694"/>
-                    </a:xfrm>
-                    <a:prstGeom prst="rect">
-                      <a:avLst/>
-                    </a:prstGeom>
-                    <a:noFill/>
-                  </p:spPr>
-                  <p:txBody>
-                    <a:bodyPr wrap="none" rtlCol="0">
-                      <a:spAutoFit/>
-                    </a:bodyPr>
-                    <a:lstStyle/>
-                    <a:p>
-                      <a:pPr/>
-                      <a14:m>
-                        <m:oMathPara xmlns:m="http://schemas.openxmlformats.org/officeDocument/2006/math">
-                          <m:oMathParaPr>
-                            <m:jc m:val="centerGroup"/>
-                          </m:oMathParaPr>
-                          <m:oMath xmlns:m="http://schemas.openxmlformats.org/officeDocument/2006/math">
-                            <m:sSub>
-                              <m:sSubPr>
-                                <m:ctrlPr>
-                                  <a:rPr lang="en-US" sz="900" b="0" i="1" smtClean="0">
-                                    <a:solidFill>
-                                      <a:srgbClr val="1C87FC"/>
-                                    </a:solidFill>
-                                    <a:latin typeface="Cambria Math" panose="02040503050406030204" pitchFamily="18" charset="0"/>
-                                  </a:rPr>
-                                </m:ctrlPr>
-                              </m:sSubPr>
-                              <m:e>
-                                <m:acc>
-                                  <m:accPr>
-                                    <m:chr m:val="̂"/>
-                                    <m:ctrlPr>
-                                      <a:rPr lang="en-US" sz="900" b="0" i="1" smtClean="0">
-                                        <a:solidFill>
-                                          <a:srgbClr val="1C87FC"/>
-                                        </a:solidFill>
-                                        <a:latin typeface="Cambria Math" panose="02040503050406030204" pitchFamily="18" charset="0"/>
-                                      </a:rPr>
-                                    </m:ctrlPr>
-                                  </m:accPr>
-                                  <m:e>
-                                    <m:r>
-                                      <a:rPr lang="en-US" sz="900" b="0" i="1" smtClean="0">
-                                        <a:solidFill>
-                                          <a:srgbClr val="1C87FC"/>
-                                        </a:solidFill>
-                                        <a:latin typeface="Cambria Math" panose="02040503050406030204" pitchFamily="18" charset="0"/>
-                                      </a:rPr>
-                                      <m:t>𝑐</m:t>
-                                    </m:r>
-                                  </m:e>
-                                </m:acc>
-                              </m:e>
-                              <m:sub>
-                                <m:r>
-                                  <a:rPr lang="en-US" sz="900" b="0" i="1" smtClean="0">
-                                    <a:solidFill>
-                                      <a:srgbClr val="1C87FC"/>
-                                    </a:solidFill>
-                                    <a:latin typeface="Cambria Math" panose="02040503050406030204" pitchFamily="18" charset="0"/>
-                                  </a:rPr>
-                                  <m:t>𝑧</m:t>
-                                </m:r>
-                              </m:sub>
-                            </m:sSub>
-                          </m:oMath>
-                        </m:oMathPara>
-                      </a14:m>
-                      <a:endParaRPr lang="en-US" sz="900" dirty="0">
-                        <a:solidFill>
-                          <a:srgbClr val="1C87FC"/>
-                        </a:solidFill>
-                      </a:endParaRPr>
-                    </a:p>
-                  </p:txBody>
-                </p:sp>
-              </mc:Choice>
-              <mc:Fallback xmlns="">
-                <p:sp>
-                  <p:nvSpPr>
-                    <p:cNvPr id="104" name="TextBox 103"/>
-                    <p:cNvSpPr txBox="1">
-                      <a:spLocks noRot="1" noChangeAspect="1" noMove="1" noResize="1" noEditPoints="1" noAdjustHandles="1" noChangeArrowheads="1" noChangeShapeType="1" noTextEdit="1"/>
-                    </p:cNvSpPr>
-                    <p:nvPr/>
-                  </p:nvSpPr>
-                  <p:spPr>
-                    <a:xfrm>
-                      <a:off x="3381176" y="2789359"/>
-                      <a:ext cx="261756" cy="193694"/>
-                    </a:xfrm>
-                    <a:prstGeom prst="rect">
-                      <a:avLst/>
-                    </a:prstGeom>
-                    <a:blipFill>
-                      <a:blip r:embed="rId14"/>
-                      <a:stretch>
-                        <a:fillRect r="-5882"/>
-                      </a:stretch>
-                    </a:blipFill>
-                  </p:spPr>
-                  <p:txBody>
-                    <a:bodyPr/>
-                    <a:lstStyle/>
-                    <a:p>
-                      <a:r>
-                        <a:rPr lang="en-US">
-                          <a:noFill/>
-                        </a:rPr>
-                        <a:t> </a:t>
-                      </a:r>
-                    </a:p>
-                  </p:txBody>
-                </p:sp>
-              </mc:Fallback>
-            </mc:AlternateContent>
-            <mc:AlternateContent xmlns:mc="http://schemas.openxmlformats.org/markup-compatibility/2006" xmlns:a14="http://schemas.microsoft.com/office/drawing/2010/main">
-              <mc:Choice Requires="a14">
-                <p:sp>
-                  <p:nvSpPr>
-                    <p:cNvPr id="105" name="TextBox 104"/>
-                    <p:cNvSpPr txBox="1"/>
-                    <p:nvPr/>
-                  </p:nvSpPr>
-                  <p:spPr>
-                    <a:xfrm>
-                      <a:off x="3061338" y="2284667"/>
-                      <a:ext cx="268643" cy="202841"/>
-                    </a:xfrm>
-                    <a:prstGeom prst="rect">
-                      <a:avLst/>
-                    </a:prstGeom>
-                    <a:noFill/>
-                  </p:spPr>
-                  <p:txBody>
-                    <a:bodyPr wrap="none" rtlCol="0">
-                      <a:spAutoFit/>
-                    </a:bodyPr>
-                    <a:lstStyle/>
-                    <a:p>
-                      <a:pPr/>
-                      <a14:m>
-                        <m:oMathPara xmlns:m="http://schemas.openxmlformats.org/officeDocument/2006/math">
-                          <m:oMathParaPr>
-                            <m:jc m:val="centerGroup"/>
-                          </m:oMathParaPr>
-                          <m:oMath xmlns:m="http://schemas.openxmlformats.org/officeDocument/2006/math">
-                            <m:sSub>
-                              <m:sSubPr>
-                                <m:ctrlPr>
-                                  <a:rPr lang="en-US" sz="900" b="0" i="1" smtClean="0">
-                                    <a:solidFill>
-                                      <a:srgbClr val="00B050"/>
-                                    </a:solidFill>
-                                    <a:latin typeface="Cambria Math" panose="02040503050406030204" pitchFamily="18" charset="0"/>
-                                  </a:rPr>
-                                </m:ctrlPr>
-                              </m:sSubPr>
-                              <m:e>
-                                <m:acc>
-                                  <m:accPr>
-                                    <m:chr m:val="̂"/>
-                                    <m:ctrlPr>
-                                      <a:rPr lang="en-US" sz="900" b="0" i="1" smtClean="0">
-                                        <a:solidFill>
-                                          <a:srgbClr val="00B050"/>
-                                        </a:solidFill>
-                                        <a:latin typeface="Cambria Math" panose="02040503050406030204" pitchFamily="18" charset="0"/>
-                                      </a:rPr>
-                                    </m:ctrlPr>
-                                  </m:accPr>
-                                  <m:e>
-                                    <m:r>
-                                      <a:rPr lang="en-US" sz="900" b="0" i="1" smtClean="0">
-                                        <a:solidFill>
-                                          <a:srgbClr val="00B050"/>
-                                        </a:solidFill>
-                                        <a:latin typeface="Cambria Math" panose="02040503050406030204" pitchFamily="18" charset="0"/>
-                                      </a:rPr>
-                                      <m:t>𝑐</m:t>
-                                    </m:r>
-                                  </m:e>
-                                </m:acc>
-                              </m:e>
-                              <m:sub>
-                                <m:r>
-                                  <a:rPr lang="en-US" sz="900" b="0" i="1" smtClean="0">
-                                    <a:solidFill>
-                                      <a:srgbClr val="00B050"/>
-                                    </a:solidFill>
-                                    <a:latin typeface="Cambria Math" panose="02040503050406030204" pitchFamily="18" charset="0"/>
-                                  </a:rPr>
-                                  <m:t>𝑦</m:t>
-                                </m:r>
-                              </m:sub>
-                            </m:sSub>
-                          </m:oMath>
-                        </m:oMathPara>
-                      </a14:m>
-                      <a:endParaRPr lang="en-US" sz="900" dirty="0">
-                        <a:solidFill>
-                          <a:srgbClr val="00B050"/>
-                        </a:solidFill>
-                      </a:endParaRPr>
-                    </a:p>
-                  </p:txBody>
-                </p:sp>
-              </mc:Choice>
-              <mc:Fallback xmlns="">
-                <p:sp>
-                  <p:nvSpPr>
-                    <p:cNvPr id="105" name="TextBox 104"/>
-                    <p:cNvSpPr txBox="1">
-                      <a:spLocks noRot="1" noChangeAspect="1" noMove="1" noResize="1" noEditPoints="1" noAdjustHandles="1" noChangeArrowheads="1" noChangeShapeType="1" noTextEdit="1"/>
-                    </p:cNvSpPr>
-                    <p:nvPr/>
-                  </p:nvSpPr>
-                  <p:spPr>
-                    <a:xfrm>
-                      <a:off x="3061338" y="2284667"/>
-                      <a:ext cx="268643" cy="202841"/>
-                    </a:xfrm>
-                    <a:prstGeom prst="rect">
-                      <a:avLst/>
-                    </a:prstGeom>
-                    <a:blipFill>
-                      <a:blip r:embed="rId15"/>
-                      <a:stretch>
-                        <a:fillRect r="-3846"/>
-                      </a:stretch>
-                    </a:blipFill>
-                  </p:spPr>
-                  <p:txBody>
-                    <a:bodyPr/>
-                    <a:lstStyle/>
-                    <a:p>
-                      <a:r>
-                        <a:rPr lang="en-US">
-                          <a:noFill/>
-                        </a:rPr>
-                        <a:t> </a:t>
-                      </a:r>
-                    </a:p>
-                  </p:txBody>
-                </p:sp>
-              </mc:Fallback>
-            </mc:AlternateContent>
-          </p:grpSp>
-          <mc:AlternateContent xmlns:mc="http://schemas.openxmlformats.org/markup-compatibility/2006" xmlns:a14="http://schemas.microsoft.com/office/drawing/2010/main">
-            <mc:Choice Requires="a14">
-              <p:sp>
-                <p:nvSpPr>
-                  <p:cNvPr id="101" name="TextBox 100"/>
-                  <p:cNvSpPr txBox="1"/>
-                  <p:nvPr/>
-                </p:nvSpPr>
-                <p:spPr>
-                  <a:xfrm>
-                    <a:off x="8020852" y="1366735"/>
-                    <a:ext cx="244475" cy="193694"/>
-                  </a:xfrm>
-                  <a:prstGeom prst="rect">
-                    <a:avLst/>
-                  </a:prstGeom>
-                  <a:noFill/>
-                </p:spPr>
-                <p:txBody>
-                  <a:bodyPr wrap="square" rtlCol="0">
-                    <a:spAutoFit/>
-                  </a:bodyPr>
-                  <a:lstStyle/>
-                  <a:p>
-                    <a:pPr/>
-                    <a14:m>
-                      <m:oMathPara xmlns:m="http://schemas.openxmlformats.org/officeDocument/2006/math">
-                        <m:oMathParaPr>
-                          <m:jc m:val="centerGroup"/>
-                        </m:oMathParaPr>
-                        <m:oMath xmlns:m="http://schemas.openxmlformats.org/officeDocument/2006/math">
-                          <m:d>
-                            <m:dPr>
-                              <m:begChr m:val="{"/>
-                              <m:endChr m:val="}"/>
-                              <m:ctrlPr>
-                                <a:rPr lang="en-US" sz="900" i="1" smtClean="0">
-                                  <a:latin typeface="Cambria Math" panose="02040503050406030204" pitchFamily="18" charset="0"/>
-                                </a:rPr>
-                              </m:ctrlPr>
-                            </m:dPr>
-                            <m:e>
-                              <m:r>
-                                <a:rPr lang="en-US" sz="900" b="0" i="1" smtClean="0">
-                                  <a:latin typeface="Cambria Math" panose="02040503050406030204" pitchFamily="18" charset="0"/>
-                                </a:rPr>
-                                <m:t>𝐶</m:t>
-                              </m:r>
-                            </m:e>
-                          </m:d>
-                        </m:oMath>
-                      </m:oMathPara>
-                    </a14:m>
-                    <a:endParaRPr lang="en-US" sz="900" dirty="0"/>
-                  </a:p>
-                </p:txBody>
-              </p:sp>
-            </mc:Choice>
-            <mc:Fallback xmlns="">
-              <p:sp>
-                <p:nvSpPr>
-                  <p:cNvPr id="101" name="TextBox 100"/>
-                  <p:cNvSpPr txBox="1">
-                    <a:spLocks noRot="1" noChangeAspect="1" noMove="1" noResize="1" noEditPoints="1" noAdjustHandles="1" noChangeArrowheads="1" noChangeShapeType="1" noTextEdit="1"/>
-                  </p:cNvSpPr>
-                  <p:nvPr/>
-                </p:nvSpPr>
-                <p:spPr>
-                  <a:xfrm>
-                    <a:off x="8020852" y="1366735"/>
-                    <a:ext cx="244475" cy="193694"/>
-                  </a:xfrm>
-                  <a:prstGeom prst="rect">
-                    <a:avLst/>
-                  </a:prstGeom>
-                  <a:blipFill>
-                    <a:blip r:embed="rId16"/>
-                    <a:stretch>
-                      <a:fillRect/>
-                    </a:stretch>
-                  </a:blipFill>
-                </p:spPr>
-                <p:txBody>
-                  <a:bodyPr/>
-                  <a:lstStyle/>
-                  <a:p>
-                    <a:r>
-                      <a:rPr lang="en-US">
-                        <a:noFill/>
-                      </a:rPr>
-                      <a:t> </a:t>
-                    </a:r>
-                  </a:p>
-                </p:txBody>
-              </p:sp>
-            </mc:Fallback>
-          </mc:AlternateContent>
         </p:grpSp>
         <p:cxnSp>
           <p:nvCxnSpPr>
@@ -11233,7 +11394,7 @@
                   <a:avLst/>
                 </a:prstGeom>
                 <a:blipFill>
-                  <a:blip r:embed="rId17"/>
+                  <a:blip r:embed="rId18"/>
                   <a:stretch>
                     <a:fillRect/>
                   </a:stretch>
@@ -11351,115 +11512,6 @@
               </a:fontRef>
             </p:style>
           </p:cxnSp>
-        </p:grpSp>
-        <p:grpSp>
-          <p:nvGrpSpPr>
-            <p:cNvPr id="66" name="Origi-pivot"/>
-            <p:cNvGrpSpPr/>
-            <p:nvPr/>
-          </p:nvGrpSpPr>
-          <p:grpSpPr>
-            <a:xfrm>
-              <a:off x="4782061" y="2438128"/>
-              <a:ext cx="66749" cy="66749"/>
-              <a:chOff x="3011758" y="4033638"/>
-              <a:chExt cx="56010" cy="56010"/>
-            </a:xfrm>
-          </p:grpSpPr>
-          <p:sp>
-            <p:nvSpPr>
-              <p:cNvPr id="96" name="Oval 95"/>
-              <p:cNvSpPr/>
-              <p:nvPr/>
-            </p:nvSpPr>
-            <p:spPr>
-              <a:xfrm>
-                <a:off x="3011758" y="4033638"/>
-                <a:ext cx="56010" cy="56010"/>
-              </a:xfrm>
-              <a:prstGeom prst="ellipse">
-                <a:avLst/>
-              </a:prstGeom>
-              <a:solidFill>
-                <a:schemeClr val="bg1"/>
-              </a:solidFill>
-              <a:ln>
-                <a:solidFill>
-                  <a:schemeClr val="tx1"/>
-                </a:solidFill>
-              </a:ln>
-            </p:spPr>
-            <p:style>
-              <a:lnRef idx="2">
-                <a:schemeClr val="accent1">
-                  <a:shade val="50000"/>
-                </a:schemeClr>
-              </a:lnRef>
-              <a:fillRef idx="1">
-                <a:schemeClr val="accent1"/>
-              </a:fillRef>
-              <a:effectRef idx="0">
-                <a:schemeClr val="accent1"/>
-              </a:effectRef>
-              <a:fontRef idx="minor">
-                <a:schemeClr val="lt1"/>
-              </a:fontRef>
-            </p:style>
-            <p:txBody>
-              <a:bodyPr rtlCol="0" anchor="ctr"/>
-              <a:lstStyle/>
-              <a:p>
-                <a:pPr algn="ctr"/>
-                <a:endParaRPr lang="en-US"/>
-              </a:p>
-            </p:txBody>
-          </p:sp>
-          <p:sp>
-            <p:nvSpPr>
-              <p:cNvPr id="97" name="Oval 96"/>
-              <p:cNvSpPr/>
-              <p:nvPr/>
-            </p:nvSpPr>
-            <p:spPr>
-              <a:xfrm>
-                <a:off x="3035191" y="4057071"/>
-                <a:ext cx="9144" cy="9144"/>
-              </a:xfrm>
-              <a:prstGeom prst="ellipse">
-                <a:avLst/>
-              </a:prstGeom>
-              <a:solidFill>
-                <a:schemeClr val="tx1"/>
-              </a:solidFill>
-              <a:ln>
-                <a:noFill/>
-              </a:ln>
-            </p:spPr>
-            <p:style>
-              <a:lnRef idx="2">
-                <a:schemeClr val="accent1">
-                  <a:shade val="50000"/>
-                </a:schemeClr>
-              </a:lnRef>
-              <a:fillRef idx="1">
-                <a:schemeClr val="accent1"/>
-              </a:fillRef>
-              <a:effectRef idx="0">
-                <a:schemeClr val="accent1"/>
-              </a:effectRef>
-              <a:fontRef idx="minor">
-                <a:schemeClr val="lt1"/>
-              </a:fontRef>
-            </p:style>
-            <p:txBody>
-              <a:bodyPr rtlCol="0" anchor="ctr"/>
-              <a:lstStyle/>
-              <a:p>
-                <a:pPr algn="ctr"/>
-                <a:endParaRPr lang="en-US"/>
-              </a:p>
-            </p:txBody>
-          </p:sp>
         </p:grpSp>
         <p:grpSp>
           <p:nvGrpSpPr>
@@ -12134,7 +12186,7 @@
                   <a:avLst/>
                 </a:prstGeom>
                 <a:blipFill>
-                  <a:blip r:embed="rId18"/>
+                  <a:blip r:embed="rId19"/>
                   <a:stretch>
                     <a:fillRect/>
                   </a:stretch>
@@ -12199,7 +12251,7 @@
           </p:nvSpPr>
           <p:spPr>
             <a:xfrm rot="1061515">
-              <a:off x="1374978" y="1649340"/>
+              <a:off x="1417708" y="1580972"/>
               <a:ext cx="464482" cy="1384418"/>
             </a:xfrm>
             <a:custGeom>
@@ -12360,6 +12412,115 @@
             </a:p>
           </p:txBody>
         </p:sp>
+        <p:grpSp>
+          <p:nvGrpSpPr>
+            <p:cNvPr id="66" name="Origi-pivot"/>
+            <p:cNvGrpSpPr/>
+            <p:nvPr/>
+          </p:nvGrpSpPr>
+          <p:grpSpPr>
+            <a:xfrm>
+              <a:off x="4777298" y="2433382"/>
+              <a:ext cx="66749" cy="66749"/>
+              <a:chOff x="3011758" y="4033638"/>
+              <a:chExt cx="56010" cy="56010"/>
+            </a:xfrm>
+          </p:grpSpPr>
+          <p:sp>
+            <p:nvSpPr>
+              <p:cNvPr id="96" name="Oval 95"/>
+              <p:cNvSpPr/>
+              <p:nvPr/>
+            </p:nvSpPr>
+            <p:spPr>
+              <a:xfrm>
+                <a:off x="3011758" y="4033638"/>
+                <a:ext cx="56010" cy="56010"/>
+              </a:xfrm>
+              <a:prstGeom prst="ellipse">
+                <a:avLst/>
+              </a:prstGeom>
+              <a:solidFill>
+                <a:schemeClr val="bg1"/>
+              </a:solidFill>
+              <a:ln>
+                <a:solidFill>
+                  <a:schemeClr val="tx1"/>
+                </a:solidFill>
+              </a:ln>
+            </p:spPr>
+            <p:style>
+              <a:lnRef idx="2">
+                <a:schemeClr val="accent1">
+                  <a:shade val="50000"/>
+                </a:schemeClr>
+              </a:lnRef>
+              <a:fillRef idx="1">
+                <a:schemeClr val="accent1"/>
+              </a:fillRef>
+              <a:effectRef idx="0">
+                <a:schemeClr val="accent1"/>
+              </a:effectRef>
+              <a:fontRef idx="minor">
+                <a:schemeClr val="lt1"/>
+              </a:fontRef>
+            </p:style>
+            <p:txBody>
+              <a:bodyPr rtlCol="0" anchor="ctr"/>
+              <a:lstStyle/>
+              <a:p>
+                <a:pPr algn="ctr"/>
+                <a:endParaRPr lang="en-US"/>
+              </a:p>
+            </p:txBody>
+          </p:sp>
+          <p:sp>
+            <p:nvSpPr>
+              <p:cNvPr id="97" name="Oval 96"/>
+              <p:cNvSpPr/>
+              <p:nvPr/>
+            </p:nvSpPr>
+            <p:spPr>
+              <a:xfrm>
+                <a:off x="3035191" y="4057071"/>
+                <a:ext cx="9144" cy="9144"/>
+              </a:xfrm>
+              <a:prstGeom prst="ellipse">
+                <a:avLst/>
+              </a:prstGeom>
+              <a:solidFill>
+                <a:schemeClr val="tx1"/>
+              </a:solidFill>
+              <a:ln>
+                <a:noFill/>
+              </a:ln>
+            </p:spPr>
+            <p:style>
+              <a:lnRef idx="2">
+                <a:schemeClr val="accent1">
+                  <a:shade val="50000"/>
+                </a:schemeClr>
+              </a:lnRef>
+              <a:fillRef idx="1">
+                <a:schemeClr val="accent1"/>
+              </a:fillRef>
+              <a:effectRef idx="0">
+                <a:schemeClr val="accent1"/>
+              </a:effectRef>
+              <a:fontRef idx="minor">
+                <a:schemeClr val="lt1"/>
+              </a:fontRef>
+            </p:style>
+            <p:txBody>
+              <a:bodyPr rtlCol="0" anchor="ctr"/>
+              <a:lstStyle/>
+              <a:p>
+                <a:pPr algn="ctr"/>
+                <a:endParaRPr lang="en-US"/>
+              </a:p>
+            </p:txBody>
+          </p:sp>
+        </p:grpSp>
       </p:grpSp>
     </p:spTree>
     <p:extLst>
